--- a/Courses/Computer-Modeling-and-IT/Computer-Modeling-and-IT-5-Class/13-Freehand-Drawing-and-Painting-Tools/13-Freehand-Drawing-and-Painting-Tools.pptx
+++ b/Courses/Computer-Modeling-and-IT/Computer-Modeling-and-IT-5-Class/13-Freehand-Drawing-and-Painting-Tools/13-Freehand-Drawing-and-Painting-Tools.pptx
@@ -5,10 +5,10 @@
     <p:sldMasterId id="2147483675" r:id="rId1"/>
   </p:sldMasterIdLst>
   <p:notesMasterIdLst>
-    <p:notesMasterId r:id="rId13"/>
+    <p:notesMasterId r:id="rId15"/>
   </p:notesMasterIdLst>
   <p:handoutMasterIdLst>
-    <p:handoutMasterId r:id="rId14"/>
+    <p:handoutMasterId r:id="rId16"/>
   </p:handoutMasterIdLst>
   <p:sldIdLst>
     <p:sldId id="503" r:id="rId2"/>
@@ -19,9 +19,11 @@
     <p:sldId id="606" r:id="rId7"/>
     <p:sldId id="607" r:id="rId8"/>
     <p:sldId id="608" r:id="rId9"/>
-    <p:sldId id="602" r:id="rId10"/>
-    <p:sldId id="504" r:id="rId11"/>
-    <p:sldId id="505" r:id="rId12"/>
+    <p:sldId id="609" r:id="rId10"/>
+    <p:sldId id="611" r:id="rId11"/>
+    <p:sldId id="602" r:id="rId12"/>
+    <p:sldId id="504" r:id="rId13"/>
+    <p:sldId id="505" r:id="rId14"/>
   </p:sldIdLst>
   <p:sldSz cx="12192000" cy="6858000"/>
   <p:notesSz cx="6858000" cy="9144000"/>
@@ -139,6 +141,12 @@
             <p14:sldId id="608"/>
           </p14:sldIdLst>
         </p14:section>
+        <p14:section name="Изчертаване на линии и геометрични фигури" id="{C53E0C70-4F6C-4B17-B044-ED7163C16860}">
+          <p14:sldIdLst>
+            <p14:sldId id="609"/>
+            <p14:sldId id="611"/>
+          </p14:sldIdLst>
+        </p14:section>
         <p14:section name="Заключение" id="{E19D07F1-86E2-47E9-B2AB-7ADC4F89DC12}">
           <p14:sldIdLst>
             <p14:sldId id="602"/>
@@ -263,7 +271,7 @@
           <a:p>
             <a:fld id="{4E087215-0C8F-4762-A664-737A353EC9A4}" type="datetimeFigureOut">
               <a:rPr lang="bg-BG" smtClean="0"/>
-              <a:t>30.10.2023 г.</a:t>
+              <a:t>31.10.2023 г.</a:t>
             </a:fld>
             <a:endParaRPr lang="bg-BG"/>
           </a:p>
@@ -459,7 +467,7 @@
           <a:p>
             <a:fld id="{72D84649-876A-46C9-8472-14CB09C070D8}" type="datetimeFigureOut">
               <a:rPr lang="en-US" smtClean="0"/>
-              <a:t>10/30/2023</a:t>
+              <a:t>10/31/2023</a:t>
             </a:fld>
             <a:endParaRPr lang="en-US"/>
           </a:p>
@@ -1244,7 +1252,7 @@
             <a:fld id="{3EBA5BD7-F043-4D1B-AA17-CD412FC534DE}" type="slidenum">
               <a:rPr lang="en-US" smtClean="0"/>
               <a:pPr/>
-              <a:t>9</a:t>
+              <a:t>11</a:t>
             </a:fld>
             <a:endParaRPr lang="en-US" dirty="0"/>
           </a:p>
@@ -1435,7 +1443,7 @@
             <a:fld id="{3EBA5BD7-F043-4D1B-AA17-CD412FC534DE}" type="slidenum">
               <a:rPr lang="en-US" smtClean="0"/>
               <a:pPr/>
-              <a:t>10</a:t>
+              <a:t>12</a:t>
             </a:fld>
             <a:endParaRPr lang="en-US" dirty="0"/>
           </a:p>
@@ -1665,7 +1673,7 @@
             <a:fld id="{3EBA5BD7-F043-4D1B-AA17-CD412FC534DE}" type="slidenum">
               <a:rPr lang="en-US" smtClean="0"/>
               <a:pPr/>
-              <a:t>11</a:t>
+              <a:t>13</a:t>
             </a:fld>
             <a:endParaRPr lang="en-US" dirty="0"/>
           </a:p>
@@ -4199,7 +4207,7 @@
             <a:fld id="{055373AC-9AA7-423B-BA00-BA1C74164DBD}" type="datetime1">
               <a:rPr lang="en-US" smtClean="0"/>
               <a:pPr/>
-              <a:t>10/30/2023</a:t>
+              <a:t>10/31/2023</a:t>
             </a:fld>
             <a:endParaRPr lang="en-US" dirty="0"/>
           </a:p>
@@ -7727,6 +7735,920 @@
       </p:grpSpPr>
       <p:sp>
         <p:nvSpPr>
+          <p:cNvPr id="2" name="Slide Number Placeholder 1"/>
+          <p:cNvSpPr>
+            <a:spLocks noGrp="1"/>
+          </p:cNvSpPr>
+          <p:nvPr>
+            <p:ph type="sldNum" sz="quarter" idx="5"/>
+          </p:nvPr>
+        </p:nvSpPr>
+        <p:spPr/>
+        <p:txBody>
+          <a:bodyPr/>
+          <a:lstStyle/>
+          <a:p>
+            <a:fld id="{2BF067CD-8E6B-4360-9AA8-C5DF2A48A6D1}" type="slidenum">
+              <a:rPr lang="en-US" noProof="0" smtClean="0"/>
+              <a:pPr/>
+              <a:t>10</a:t>
+            </a:fld>
+            <a:endParaRPr lang="en-US" noProof="0" dirty="0"/>
+          </a:p>
+        </p:txBody>
+      </p:sp>
+      <p:sp>
+        <p:nvSpPr>
+          <p:cNvPr id="3" name="Text Placeholder 2"/>
+          <p:cNvSpPr>
+            <a:spLocks noGrp="1"/>
+          </p:cNvSpPr>
+          <p:nvPr>
+            <p:ph type="body" sz="quarter" idx="10"/>
+          </p:nvPr>
+        </p:nvSpPr>
+        <p:spPr/>
+        <p:txBody>
+          <a:bodyPr/>
+          <a:lstStyle/>
+          <a:p>
+            <a:endParaRPr lang="en-US"/>
+          </a:p>
+        </p:txBody>
+      </p:sp>
+      <p:sp>
+        <p:nvSpPr>
+          <p:cNvPr id="4" name="Title 3"/>
+          <p:cNvSpPr>
+            <a:spLocks noGrp="1"/>
+          </p:cNvSpPr>
+          <p:nvPr>
+            <p:ph type="title"/>
+          </p:nvPr>
+        </p:nvSpPr>
+        <p:spPr/>
+        <p:txBody>
+          <a:bodyPr/>
+          <a:lstStyle/>
+          <a:p>
+            <a:r>
+              <a:rPr lang="bg-BG" dirty="0" smtClean="0"/>
+              <a:t>Изчертаване на права линия</a:t>
+            </a:r>
+            <a:endParaRPr lang="en-US" dirty="0"/>
+          </a:p>
+        </p:txBody>
+      </p:sp>
+    </p:spTree>
+    <p:extLst>
+      <p:ext uri="{BB962C8B-B14F-4D97-AF65-F5344CB8AC3E}">
+        <p14:creationId xmlns:p14="http://schemas.microsoft.com/office/powerpoint/2010/main" val="3117282024"/>
+      </p:ext>
+    </p:extLst>
+  </p:cSld>
+  <p:clrMapOvr>
+    <a:masterClrMapping/>
+  </p:clrMapOvr>
+  <mc:AlternateContent xmlns:mc="http://schemas.openxmlformats.org/markup-compatibility/2006" xmlns:p14="http://schemas.microsoft.com/office/powerpoint/2010/main">
+    <mc:Choice Requires="p14">
+      <p:transition spd="slow" p14:dur="2000" advClick="0" advTm="5000"/>
+    </mc:Choice>
+    <mc:Fallback xmlns="">
+      <p:transition spd="slow" advClick="0" advTm="5000"/>
+    </mc:Fallback>
+  </mc:AlternateContent>
+</p:sld>
+</file>
+
+<file path=ppt/slides/slide11.xml><?xml version="1.0" encoding="utf-8"?>
+<p:sld xmlns:a="http://schemas.openxmlformats.org/drawingml/2006/main" xmlns:r="http://schemas.openxmlformats.org/officeDocument/2006/relationships" xmlns:p="http://schemas.openxmlformats.org/presentationml/2006/main">
+  <p:cSld>
+    <p:spTree>
+      <p:nvGrpSpPr>
+        <p:cNvPr id="1" name=""/>
+        <p:cNvGrpSpPr/>
+        <p:nvPr/>
+      </p:nvGrpSpPr>
+      <p:grpSpPr>
+        <a:xfrm>
+          <a:off x="0" y="0"/>
+          <a:ext cx="0" cy="0"/>
+          <a:chOff x="0" y="0"/>
+          <a:chExt cx="0" cy="0"/>
+        </a:xfrm>
+      </p:grpSpPr>
+      <p:sp>
+        <p:nvSpPr>
+          <p:cNvPr id="14" name="Text Placeholder 4">
+            <a:extLst>
+              <a:ext uri="{FF2B5EF4-FFF2-40B4-BE49-F238E27FC236}">
+                <a16:creationId xmlns:a16="http://schemas.microsoft.com/office/drawing/2014/main" id="{0E49D336-45B6-44D3-97C4-E28F8DEA2022}"/>
+              </a:ext>
+            </a:extLst>
+          </p:cNvPr>
+          <p:cNvSpPr>
+            <a:spLocks noGrp="1"/>
+          </p:cNvSpPr>
+          <p:nvPr>
+            <p:ph type="body" sz="quarter" idx="10"/>
+          </p:nvPr>
+        </p:nvSpPr>
+        <p:spPr>
+          <a:xfrm>
+            <a:off x="869725" y="1577986"/>
+            <a:ext cx="7581212" cy="4772369"/>
+          </a:xfrm>
+        </p:spPr>
+        <p:txBody>
+          <a:bodyPr/>
+          <a:lstStyle>
+            <a:lvl1pPr marL="514350" indent="-514350">
+              <a:buFont typeface="Wingdings" panose="05000000000000000000" pitchFamily="2" charset="2"/>
+              <a:buChar char="§"/>
+              <a:defRPr>
+                <a:solidFill>
+                  <a:schemeClr val="bg2"/>
+                </a:solidFill>
+              </a:defRPr>
+            </a:lvl1pPr>
+            <a:lvl2pPr marL="1123935" indent="-514350">
+              <a:buFont typeface="Wingdings" panose="05000000000000000000" pitchFamily="2" charset="2"/>
+              <a:buChar char="§"/>
+              <a:defRPr>
+                <a:solidFill>
+                  <a:schemeClr val="tx1"/>
+                </a:solidFill>
+              </a:defRPr>
+            </a:lvl2pPr>
+            <a:lvl3pPr marL="1733520" indent="-514350">
+              <a:buFont typeface="Wingdings" panose="05000000000000000000" pitchFamily="2" charset="2"/>
+              <a:buChar char="§"/>
+              <a:defRPr>
+                <a:solidFill>
+                  <a:schemeClr val="tx1"/>
+                </a:solidFill>
+              </a:defRPr>
+            </a:lvl3pPr>
+            <a:lvl4pPr marL="2343105" indent="-514350">
+              <a:buFont typeface="Wingdings" panose="05000000000000000000" pitchFamily="2" charset="2"/>
+              <a:buChar char="§"/>
+              <a:defRPr>
+                <a:solidFill>
+                  <a:schemeClr val="tx1"/>
+                </a:solidFill>
+              </a:defRPr>
+            </a:lvl4pPr>
+            <a:lvl5pPr marL="2952689" indent="-514350">
+              <a:buFont typeface="Wingdings" panose="05000000000000000000" pitchFamily="2" charset="2"/>
+              <a:buChar char="§"/>
+              <a:defRPr>
+                <a:solidFill>
+                  <a:schemeClr val="tx1"/>
+                </a:solidFill>
+              </a:defRPr>
+            </a:lvl5pPr>
+          </a:lstStyle>
+          <a:p>
+            <a:pPr lvl="0"/>
+            <a:r>
+              <a:rPr lang="en-US" dirty="0"/>
+              <a:t>…</a:t>
+            </a:r>
+          </a:p>
+          <a:p>
+            <a:pPr lvl="0"/>
+            <a:r>
+              <a:rPr lang="en-GB" dirty="0"/>
+              <a:t>…</a:t>
+            </a:r>
+            <a:endParaRPr lang="en-US" dirty="0"/>
+          </a:p>
+          <a:p>
+            <a:pPr lvl="0"/>
+            <a:r>
+              <a:rPr lang="en-GB" dirty="0"/>
+              <a:t>…</a:t>
+            </a:r>
+            <a:endParaRPr lang="en-US" dirty="0"/>
+          </a:p>
+          <a:p>
+            <a:pPr lvl="0"/>
+            <a:endParaRPr lang="en-US" dirty="0"/>
+          </a:p>
+        </p:txBody>
+      </p:sp>
+      <p:sp>
+        <p:nvSpPr>
+          <p:cNvPr id="4" name="Title 3"/>
+          <p:cNvSpPr>
+            <a:spLocks noGrp="1"/>
+          </p:cNvSpPr>
+          <p:nvPr>
+            <p:ph type="title"/>
+          </p:nvPr>
+        </p:nvSpPr>
+        <p:spPr/>
+        <p:txBody>
+          <a:bodyPr>
+            <a:normAutofit/>
+          </a:bodyPr>
+          <a:lstStyle/>
+          <a:p>
+            <a:r>
+              <a:rPr lang="bg-BG" dirty="0"/>
+              <a:t>Какво научихме днес?</a:t>
+            </a:r>
+            <a:endParaRPr lang="en-US" dirty="0"/>
+          </a:p>
+        </p:txBody>
+      </p:sp>
+      <p:sp>
+        <p:nvSpPr>
+          <p:cNvPr id="6" name="Slide Number Placeholder 5"/>
+          <p:cNvSpPr>
+            <a:spLocks noGrp="1"/>
+          </p:cNvSpPr>
+          <p:nvPr>
+            <p:ph type="sldNum" sz="quarter" idx="4294967295"/>
+          </p:nvPr>
+        </p:nvSpPr>
+        <p:spPr>
+          <a:xfrm>
+            <a:off x="11566412" y="6397196"/>
+            <a:ext cx="428822" cy="308845"/>
+          </a:xfrm>
+          <a:prstGeom prst="rect">
+            <a:avLst/>
+          </a:prstGeom>
+        </p:spPr>
+        <p:txBody>
+          <a:bodyPr vert="horz" lIns="36000" tIns="36000" rIns="36000" bIns="36000" rtlCol="0" anchor="ctr"/>
+          <a:lstStyle>
+            <a:defPPr>
+              <a:defRPr lang="en-US"/>
+            </a:defPPr>
+            <a:lvl1pPr marL="0" algn="r" defTabSz="914400" rtl="0" eaLnBrk="1" latinLnBrk="0" hangingPunct="1">
+              <a:defRPr sz="1000" kern="1200">
+                <a:solidFill>
+                  <a:schemeClr val="tx1"/>
+                </a:solidFill>
+                <a:latin typeface="+mn-lt"/>
+                <a:ea typeface="+mn-ea"/>
+                <a:cs typeface="+mn-cs"/>
+              </a:defRPr>
+            </a:lvl1pPr>
+            <a:lvl2pPr marL="457200" algn="l" defTabSz="914400" rtl="0" eaLnBrk="1" latinLnBrk="0" hangingPunct="1">
+              <a:defRPr sz="1800" kern="1200">
+                <a:solidFill>
+                  <a:schemeClr val="tx1"/>
+                </a:solidFill>
+                <a:latin typeface="+mn-lt"/>
+                <a:ea typeface="+mn-ea"/>
+                <a:cs typeface="+mn-cs"/>
+              </a:defRPr>
+            </a:lvl2pPr>
+            <a:lvl3pPr marL="914400" algn="l" defTabSz="914400" rtl="0" eaLnBrk="1" latinLnBrk="0" hangingPunct="1">
+              <a:defRPr sz="1800" kern="1200">
+                <a:solidFill>
+                  <a:schemeClr val="tx1"/>
+                </a:solidFill>
+                <a:latin typeface="+mn-lt"/>
+                <a:ea typeface="+mn-ea"/>
+                <a:cs typeface="+mn-cs"/>
+              </a:defRPr>
+            </a:lvl3pPr>
+            <a:lvl4pPr marL="1371600" algn="l" defTabSz="914400" rtl="0" eaLnBrk="1" latinLnBrk="0" hangingPunct="1">
+              <a:defRPr sz="1800" kern="1200">
+                <a:solidFill>
+                  <a:schemeClr val="tx1"/>
+                </a:solidFill>
+                <a:latin typeface="+mn-lt"/>
+                <a:ea typeface="+mn-ea"/>
+                <a:cs typeface="+mn-cs"/>
+              </a:defRPr>
+            </a:lvl4pPr>
+            <a:lvl5pPr marL="1828800" algn="l" defTabSz="914400" rtl="0" eaLnBrk="1" latinLnBrk="0" hangingPunct="1">
+              <a:defRPr sz="1800" kern="1200">
+                <a:solidFill>
+                  <a:schemeClr val="tx1"/>
+                </a:solidFill>
+                <a:latin typeface="+mn-lt"/>
+                <a:ea typeface="+mn-ea"/>
+                <a:cs typeface="+mn-cs"/>
+              </a:defRPr>
+            </a:lvl5pPr>
+            <a:lvl6pPr marL="2286000" algn="l" defTabSz="914400" rtl="0" eaLnBrk="1" latinLnBrk="0" hangingPunct="1">
+              <a:defRPr sz="1800" kern="1200">
+                <a:solidFill>
+                  <a:schemeClr val="tx1"/>
+                </a:solidFill>
+                <a:latin typeface="+mn-lt"/>
+                <a:ea typeface="+mn-ea"/>
+                <a:cs typeface="+mn-cs"/>
+              </a:defRPr>
+            </a:lvl6pPr>
+            <a:lvl7pPr marL="2743200" algn="l" defTabSz="914400" rtl="0" eaLnBrk="1" latinLnBrk="0" hangingPunct="1">
+              <a:defRPr sz="1800" kern="1200">
+                <a:solidFill>
+                  <a:schemeClr val="tx1"/>
+                </a:solidFill>
+                <a:latin typeface="+mn-lt"/>
+                <a:ea typeface="+mn-ea"/>
+                <a:cs typeface="+mn-cs"/>
+              </a:defRPr>
+            </a:lvl7pPr>
+            <a:lvl8pPr marL="3200400" algn="l" defTabSz="914400" rtl="0" eaLnBrk="1" latinLnBrk="0" hangingPunct="1">
+              <a:defRPr sz="1800" kern="1200">
+                <a:solidFill>
+                  <a:schemeClr val="tx1"/>
+                </a:solidFill>
+                <a:latin typeface="+mn-lt"/>
+                <a:ea typeface="+mn-ea"/>
+                <a:cs typeface="+mn-cs"/>
+              </a:defRPr>
+            </a:lvl8pPr>
+            <a:lvl9pPr marL="3657600" algn="l" defTabSz="914400" rtl="0" eaLnBrk="1" latinLnBrk="0" hangingPunct="1">
+              <a:defRPr sz="1800" kern="1200">
+                <a:solidFill>
+                  <a:schemeClr val="tx1"/>
+                </a:solidFill>
+                <a:latin typeface="+mn-lt"/>
+                <a:ea typeface="+mn-ea"/>
+                <a:cs typeface="+mn-cs"/>
+              </a:defRPr>
+            </a:lvl9pPr>
+          </a:lstStyle>
+          <a:p>
+            <a:fld id="{C014DD1E-5D91-48A3-AD6D-45FBA980D106}" type="slidenum">
+              <a:rPr lang="en-US" smtClean="0"/>
+              <a:pPr/>
+              <a:t>11</a:t>
+            </a:fld>
+            <a:endParaRPr lang="en-US" dirty="0"/>
+          </a:p>
+        </p:txBody>
+      </p:sp>
+      <p:grpSp>
+        <p:nvGrpSpPr>
+          <p:cNvPr id="9" name="Group 8">
+            <a:extLst>
+              <a:ext uri="{FF2B5EF4-FFF2-40B4-BE49-F238E27FC236}">
+                <a16:creationId xmlns:a16="http://schemas.microsoft.com/office/drawing/2014/main" id="{EBAFE522-EB7D-4931-A015-9A7E8A98517D}"/>
+              </a:ext>
+            </a:extLst>
+          </p:cNvPr>
+          <p:cNvGrpSpPr/>
+          <p:nvPr/>
+        </p:nvGrpSpPr>
+        <p:grpSpPr>
+          <a:xfrm>
+            <a:off x="196766" y="1314000"/>
+            <a:ext cx="11798468" cy="5300339"/>
+            <a:chOff x="472011" y="1508786"/>
+            <a:chExt cx="3799787" cy="4865561"/>
+          </a:xfrm>
+        </p:grpSpPr>
+        <p:sp>
+          <p:nvSpPr>
+            <p:cNvPr id="10" name="Rounded Rectangle 10">
+              <a:extLst>
+                <a:ext uri="{FF2B5EF4-FFF2-40B4-BE49-F238E27FC236}">
+                  <a16:creationId xmlns:a16="http://schemas.microsoft.com/office/drawing/2014/main" id="{18F78F23-3D09-4B63-8DF9-D49CFBB145EE}"/>
+                </a:ext>
+              </a:extLst>
+            </p:cNvPr>
+            <p:cNvSpPr/>
+            <p:nvPr userDrawn="1"/>
+          </p:nvSpPr>
+          <p:spPr>
+            <a:xfrm>
+              <a:off x="472011" y="1508786"/>
+              <a:ext cx="3799787" cy="4865561"/>
+            </a:xfrm>
+            <a:prstGeom prst="roundRect">
+              <a:avLst>
+                <a:gd name="adj" fmla="val 3968"/>
+              </a:avLst>
+            </a:prstGeom>
+            <a:solidFill>
+              <a:schemeClr val="tx2"/>
+            </a:solidFill>
+            <a:ln>
+              <a:noFill/>
+            </a:ln>
+          </p:spPr>
+          <p:style>
+            <a:lnRef idx="2">
+              <a:schemeClr val="accent1">
+                <a:shade val="50000"/>
+              </a:schemeClr>
+            </a:lnRef>
+            <a:fillRef idx="1">
+              <a:schemeClr val="accent1"/>
+            </a:fillRef>
+            <a:effectRef idx="0">
+              <a:schemeClr val="accent1"/>
+            </a:effectRef>
+            <a:fontRef idx="minor">
+              <a:schemeClr val="lt1"/>
+            </a:fontRef>
+          </p:style>
+          <p:txBody>
+            <a:bodyPr rtlCol="0" anchor="ctr"/>
+            <a:lstStyle/>
+            <a:p>
+              <a:pPr algn="ctr"/>
+              <a:endParaRPr lang="ko-KR" altLang="en-US" sz="2399" dirty="0"/>
+            </a:p>
+          </p:txBody>
+        </p:sp>
+        <p:sp>
+          <p:nvSpPr>
+            <p:cNvPr id="11" name="Rounded Rectangle 16">
+              <a:extLst>
+                <a:ext uri="{FF2B5EF4-FFF2-40B4-BE49-F238E27FC236}">
+                  <a16:creationId xmlns:a16="http://schemas.microsoft.com/office/drawing/2014/main" id="{F12C06CE-2BBE-46C2-B718-813794C58DF9}"/>
+                </a:ext>
+              </a:extLst>
+            </p:cNvPr>
+            <p:cNvSpPr/>
+            <p:nvPr userDrawn="1"/>
+          </p:nvSpPr>
+          <p:spPr>
+            <a:xfrm>
+              <a:off x="540767" y="1781251"/>
+              <a:ext cx="85794" cy="4320631"/>
+            </a:xfrm>
+            <a:prstGeom prst="roundRect">
+              <a:avLst>
+                <a:gd name="adj" fmla="val 50000"/>
+              </a:avLst>
+            </a:prstGeom>
+            <a:solidFill>
+              <a:schemeClr val="bg2">
+                <a:alpha val="41000"/>
+              </a:schemeClr>
+            </a:solidFill>
+            <a:ln>
+              <a:noFill/>
+            </a:ln>
+          </p:spPr>
+          <p:style>
+            <a:lnRef idx="2">
+              <a:schemeClr val="accent1">
+                <a:shade val="50000"/>
+              </a:schemeClr>
+            </a:lnRef>
+            <a:fillRef idx="1">
+              <a:schemeClr val="accent1"/>
+            </a:fillRef>
+            <a:effectRef idx="0">
+              <a:schemeClr val="accent1"/>
+            </a:effectRef>
+            <a:fontRef idx="minor">
+              <a:schemeClr val="lt1"/>
+            </a:fontRef>
+          </p:style>
+          <p:txBody>
+            <a:bodyPr rtlCol="0" anchor="ctr"/>
+            <a:lstStyle/>
+            <a:p>
+              <a:pPr algn="ctr"/>
+              <a:endParaRPr lang="ko-KR" altLang="en-US" sz="2399">
+                <a:solidFill>
+                  <a:schemeClr val="bg1"/>
+                </a:solidFill>
+              </a:endParaRPr>
+            </a:p>
+          </p:txBody>
+        </p:sp>
+        <p:sp>
+          <p:nvSpPr>
+            <p:cNvPr id="12" name="Half Frame 11">
+              <a:extLst>
+                <a:ext uri="{FF2B5EF4-FFF2-40B4-BE49-F238E27FC236}">
+                  <a16:creationId xmlns:a16="http://schemas.microsoft.com/office/drawing/2014/main" id="{66CDBB1E-AF3C-43FC-9F34-2DD691F81726}"/>
+                </a:ext>
+              </a:extLst>
+            </p:cNvPr>
+            <p:cNvSpPr/>
+            <p:nvPr userDrawn="1"/>
+          </p:nvSpPr>
+          <p:spPr>
+            <a:xfrm rot="5400000">
+              <a:off x="3762569" y="1912372"/>
+              <a:ext cx="669775" cy="238503"/>
+            </a:xfrm>
+            <a:prstGeom prst="halfFrame">
+              <a:avLst>
+                <a:gd name="adj1" fmla="val 23728"/>
+                <a:gd name="adj2" fmla="val 24642"/>
+              </a:avLst>
+            </a:prstGeom>
+            <a:solidFill>
+              <a:schemeClr val="bg2">
+                <a:alpha val="23000"/>
+              </a:schemeClr>
+            </a:solidFill>
+            <a:ln>
+              <a:noFill/>
+            </a:ln>
+          </p:spPr>
+          <p:style>
+            <a:lnRef idx="2">
+              <a:schemeClr val="accent1">
+                <a:shade val="50000"/>
+              </a:schemeClr>
+            </a:lnRef>
+            <a:fillRef idx="1">
+              <a:schemeClr val="accent1"/>
+            </a:fillRef>
+            <a:effectRef idx="0">
+              <a:schemeClr val="accent1"/>
+            </a:effectRef>
+            <a:fontRef idx="minor">
+              <a:schemeClr val="lt1"/>
+            </a:fontRef>
+          </p:style>
+          <p:txBody>
+            <a:bodyPr rtlCol="0" anchor="ctr"/>
+            <a:lstStyle/>
+            <a:p>
+              <a:pPr algn="ctr"/>
+              <a:endParaRPr lang="ko-KR" altLang="en-US" sz="2399">
+                <a:solidFill>
+                  <a:schemeClr val="tx1"/>
+                </a:solidFill>
+              </a:endParaRPr>
+            </a:p>
+          </p:txBody>
+        </p:sp>
+      </p:grpSp>
+      <p:sp>
+        <p:nvSpPr>
+          <p:cNvPr id="15" name="Content Placeholder 4">
+            <a:extLst>
+              <a:ext uri="{FF2B5EF4-FFF2-40B4-BE49-F238E27FC236}">
+                <a16:creationId xmlns:a16="http://schemas.microsoft.com/office/drawing/2014/main" id="{B96A0DF8-27E7-4DC8-BBE3-7238AAAEB845}"/>
+              </a:ext>
+            </a:extLst>
+          </p:cNvPr>
+          <p:cNvSpPr txBox="1">
+            <a:spLocks/>
+          </p:cNvSpPr>
+          <p:nvPr/>
+        </p:nvSpPr>
+        <p:spPr>
+          <a:xfrm>
+            <a:off x="676648" y="1610812"/>
+            <a:ext cx="11269351" cy="4894130"/>
+          </a:xfrm>
+          <a:prstGeom prst="rect">
+            <a:avLst/>
+          </a:prstGeom>
+        </p:spPr>
+        <p:txBody>
+          <a:bodyPr vert="horz" lIns="108000" tIns="36000" rIns="108000" bIns="36000" rtlCol="0">
+            <a:noAutofit/>
+          </a:bodyPr>
+          <a:lstStyle>
+            <a:lvl1pPr marL="456915" indent="-456915" algn="l" defTabSz="1218438" rtl="0" eaLnBrk="1" latinLnBrk="0" hangingPunct="1">
+              <a:lnSpc>
+                <a:spcPct val="105000"/>
+              </a:lnSpc>
+              <a:spcBef>
+                <a:spcPts val="600"/>
+              </a:spcBef>
+              <a:spcAft>
+                <a:spcPts val="600"/>
+              </a:spcAft>
+              <a:buFont typeface="Wingdings" panose="05000000000000000000" pitchFamily="2" charset="2"/>
+              <a:buChar char="§"/>
+              <a:defRPr sz="3398" kern="1200">
+                <a:solidFill>
+                  <a:schemeClr val="tx1"/>
+                </a:solidFill>
+                <a:latin typeface="+mn-lt"/>
+                <a:ea typeface="+mn-ea"/>
+                <a:cs typeface="+mn-cs"/>
+              </a:defRPr>
+            </a:lvl1pPr>
+            <a:lvl2pPr marL="989981" indent="-380762" algn="l" defTabSz="1218438" rtl="0" eaLnBrk="1" latinLnBrk="0" hangingPunct="1">
+              <a:lnSpc>
+                <a:spcPct val="105000"/>
+              </a:lnSpc>
+              <a:spcBef>
+                <a:spcPts val="600"/>
+              </a:spcBef>
+              <a:spcAft>
+                <a:spcPts val="600"/>
+              </a:spcAft>
+              <a:buFont typeface="Wingdings" panose="05000000000000000000" pitchFamily="2" charset="2"/>
+              <a:buChar char="§"/>
+              <a:defRPr sz="3198" kern="1200">
+                <a:solidFill>
+                  <a:schemeClr val="tx1"/>
+                </a:solidFill>
+                <a:latin typeface="+mn-lt"/>
+                <a:ea typeface="+mn-ea"/>
+                <a:cs typeface="+mn-cs"/>
+              </a:defRPr>
+            </a:lvl2pPr>
+            <a:lvl3pPr marL="1523048" indent="-304610" algn="l" defTabSz="1218438" rtl="0" eaLnBrk="1" latinLnBrk="0" hangingPunct="1">
+              <a:lnSpc>
+                <a:spcPct val="105000"/>
+              </a:lnSpc>
+              <a:spcBef>
+                <a:spcPts val="600"/>
+              </a:spcBef>
+              <a:spcAft>
+                <a:spcPts val="600"/>
+              </a:spcAft>
+              <a:buFont typeface="Wingdings" panose="05000000000000000000" pitchFamily="2" charset="2"/>
+              <a:buChar char="§"/>
+              <a:defRPr sz="2998" kern="1200">
+                <a:solidFill>
+                  <a:schemeClr val="tx1"/>
+                </a:solidFill>
+                <a:latin typeface="+mn-lt"/>
+                <a:ea typeface="+mn-ea"/>
+                <a:cs typeface="+mn-cs"/>
+              </a:defRPr>
+            </a:lvl3pPr>
+            <a:lvl4pPr marL="2132267" indent="-304610" algn="l" defTabSz="1218438" rtl="0" eaLnBrk="1" latinLnBrk="0" hangingPunct="1">
+              <a:lnSpc>
+                <a:spcPct val="105000"/>
+              </a:lnSpc>
+              <a:spcBef>
+                <a:spcPts val="600"/>
+              </a:spcBef>
+              <a:spcAft>
+                <a:spcPts val="600"/>
+              </a:spcAft>
+              <a:buFont typeface="Wingdings" panose="05000000000000000000" pitchFamily="2" charset="2"/>
+              <a:buChar char="§"/>
+              <a:defRPr sz="2798" kern="1200">
+                <a:solidFill>
+                  <a:schemeClr val="tx1"/>
+                </a:solidFill>
+                <a:latin typeface="+mn-lt"/>
+                <a:ea typeface="+mn-ea"/>
+                <a:cs typeface="+mn-cs"/>
+              </a:defRPr>
+            </a:lvl4pPr>
+            <a:lvl5pPr marL="2741485" indent="-304610" algn="l" defTabSz="1218438" rtl="0" eaLnBrk="1" latinLnBrk="0" hangingPunct="1">
+              <a:lnSpc>
+                <a:spcPct val="105000"/>
+              </a:lnSpc>
+              <a:spcBef>
+                <a:spcPts val="600"/>
+              </a:spcBef>
+              <a:spcAft>
+                <a:spcPts val="600"/>
+              </a:spcAft>
+              <a:buFont typeface="Wingdings" panose="05000000000000000000" pitchFamily="2" charset="2"/>
+              <a:buChar char="§"/>
+              <a:defRPr sz="2598" kern="1200">
+                <a:solidFill>
+                  <a:schemeClr val="tx1"/>
+                </a:solidFill>
+                <a:latin typeface="+mn-lt"/>
+                <a:ea typeface="+mn-ea"/>
+                <a:cs typeface="+mn-cs"/>
+              </a:defRPr>
+            </a:lvl5pPr>
+            <a:lvl6pPr marL="3350704" indent="-304610" algn="l" defTabSz="1218438" rtl="0" eaLnBrk="1" latinLnBrk="0" hangingPunct="1">
+              <a:spcBef>
+                <a:spcPct val="20000"/>
+              </a:spcBef>
+              <a:buFont typeface="Arial" pitchFamily="34" charset="0"/>
+              <a:buChar char="•"/>
+              <a:defRPr sz="2665" kern="1200">
+                <a:solidFill>
+                  <a:schemeClr val="tx1"/>
+                </a:solidFill>
+                <a:latin typeface="+mn-lt"/>
+                <a:ea typeface="+mn-ea"/>
+                <a:cs typeface="+mn-cs"/>
+              </a:defRPr>
+            </a:lvl6pPr>
+            <a:lvl7pPr marL="3959924" indent="-304610" algn="l" defTabSz="1218438" rtl="0" eaLnBrk="1" latinLnBrk="0" hangingPunct="1">
+              <a:spcBef>
+                <a:spcPct val="20000"/>
+              </a:spcBef>
+              <a:buFont typeface="Arial" pitchFamily="34" charset="0"/>
+              <a:buChar char="•"/>
+              <a:defRPr sz="2665" kern="1200">
+                <a:solidFill>
+                  <a:schemeClr val="tx1"/>
+                </a:solidFill>
+                <a:latin typeface="+mn-lt"/>
+                <a:ea typeface="+mn-ea"/>
+                <a:cs typeface="+mn-cs"/>
+              </a:defRPr>
+            </a:lvl7pPr>
+            <a:lvl8pPr marL="4569143" indent="-304610" algn="l" defTabSz="1218438" rtl="0" eaLnBrk="1" latinLnBrk="0" hangingPunct="1">
+              <a:spcBef>
+                <a:spcPct val="20000"/>
+              </a:spcBef>
+              <a:buFont typeface="Arial" pitchFamily="34" charset="0"/>
+              <a:buChar char="•"/>
+              <a:defRPr sz="2665" kern="1200">
+                <a:solidFill>
+                  <a:schemeClr val="tx1"/>
+                </a:solidFill>
+                <a:latin typeface="+mn-lt"/>
+                <a:ea typeface="+mn-ea"/>
+                <a:cs typeface="+mn-cs"/>
+              </a:defRPr>
+            </a:lvl8pPr>
+            <a:lvl9pPr marL="5178362" indent="-304610" algn="l" defTabSz="1218438" rtl="0" eaLnBrk="1" latinLnBrk="0" hangingPunct="1">
+              <a:spcBef>
+                <a:spcPct val="20000"/>
+              </a:spcBef>
+              <a:buFont typeface="Arial" pitchFamily="34" charset="0"/>
+              <a:buChar char="•"/>
+              <a:defRPr sz="2665" kern="1200">
+                <a:solidFill>
+                  <a:schemeClr val="tx1"/>
+                </a:solidFill>
+                <a:latin typeface="+mn-lt"/>
+                <a:ea typeface="+mn-ea"/>
+                <a:cs typeface="+mn-cs"/>
+              </a:defRPr>
+            </a:lvl9pPr>
+          </a:lstStyle>
+          <a:p>
+            <a:pPr marL="381049">
+              <a:buClr>
+                <a:schemeClr val="bg2"/>
+              </a:buClr>
+            </a:pPr>
+            <a:r>
+              <a:rPr lang="en-US" sz="3200" dirty="0" smtClean="0">
+                <a:solidFill>
+                  <a:schemeClr val="bg2"/>
+                </a:solidFill>
+              </a:rPr>
+              <a:t>TODO</a:t>
+            </a:r>
+            <a:endParaRPr lang="ru-RU" sz="2600" dirty="0">
+              <a:solidFill>
+                <a:schemeClr val="bg2"/>
+              </a:solidFill>
+            </a:endParaRPr>
+          </a:p>
+          <a:p>
+            <a:pPr marL="381049">
+              <a:spcAft>
+                <a:spcPts val="1200"/>
+              </a:spcAft>
+              <a:buClr>
+                <a:schemeClr val="bg2"/>
+              </a:buClr>
+            </a:pPr>
+            <a:endParaRPr lang="bg-BG" sz="2800" dirty="0" smtClean="0">
+              <a:solidFill>
+                <a:schemeClr val="bg2"/>
+              </a:solidFill>
+            </a:endParaRPr>
+          </a:p>
+          <a:p>
+            <a:pPr marL="381049">
+              <a:spcAft>
+                <a:spcPts val="1200"/>
+              </a:spcAft>
+              <a:buClr>
+                <a:schemeClr val="bg2"/>
+              </a:buClr>
+            </a:pPr>
+            <a:endParaRPr lang="bg-BG" sz="2800" dirty="0">
+              <a:solidFill>
+                <a:schemeClr val="bg2"/>
+              </a:solidFill>
+            </a:endParaRPr>
+          </a:p>
+        </p:txBody>
+      </p:sp>
+    </p:spTree>
+    <p:extLst>
+      <p:ext uri="{BB962C8B-B14F-4D97-AF65-F5344CB8AC3E}">
+        <p14:creationId xmlns:p14="http://schemas.microsoft.com/office/powerpoint/2010/main" val="3542023837"/>
+      </p:ext>
+    </p:extLst>
+  </p:cSld>
+  <p:clrMapOvr>
+    <a:masterClrMapping/>
+  </p:clrMapOvr>
+  <mc:AlternateContent xmlns:mc="http://schemas.openxmlformats.org/markup-compatibility/2006" xmlns:p14="http://schemas.microsoft.com/office/powerpoint/2010/main">
+    <mc:Choice Requires="p14">
+      <p:transition spd="slow" p14:dur="2000" advClick="0" advTm="5000"/>
+    </mc:Choice>
+    <mc:Fallback xmlns="">
+      <p:transition spd="slow" advClick="0" advTm="5000"/>
+    </mc:Fallback>
+  </mc:AlternateContent>
+  <p:timing>
+    <p:tnLst>
+      <p:par>
+        <p:cTn id="1" dur="indefinite" restart="never" nodeType="tmRoot">
+          <p:childTnLst>
+            <p:seq concurrent="1" nextAc="seek">
+              <p:cTn id="2" dur="indefinite" nodeType="mainSeq">
+                <p:childTnLst>
+                  <p:par>
+                    <p:cTn id="3" fill="hold">
+                      <p:stCondLst>
+                        <p:cond delay="indefinite"/>
+                      </p:stCondLst>
+                      <p:childTnLst>
+                        <p:par>
+                          <p:cTn id="4" fill="hold">
+                            <p:stCondLst>
+                              <p:cond delay="0"/>
+                            </p:stCondLst>
+                            <p:childTnLst>
+                              <p:par>
+                                <p:cTn id="5" presetID="1" presetClass="entr" presetSubtype="0" fill="hold" nodeType="clickEffect">
+                                  <p:stCondLst>
+                                    <p:cond delay="0"/>
+                                  </p:stCondLst>
+                                  <p:childTnLst>
+                                    <p:set>
+                                      <p:cBhvr>
+                                        <p:cTn id="6" dur="1" fill="hold">
+                                          <p:stCondLst>
+                                            <p:cond delay="0"/>
+                                          </p:stCondLst>
+                                        </p:cTn>
+                                        <p:tgtEl>
+                                          <p:spTgt spid="15">
+                                            <p:txEl>
+                                              <p:pRg st="0" end="0"/>
+                                            </p:txEl>
+                                          </p:spTgt>
+                                        </p:tgtEl>
+                                        <p:attrNameLst>
+                                          <p:attrName>style.visibility</p:attrName>
+                                        </p:attrNameLst>
+                                      </p:cBhvr>
+                                      <p:to>
+                                        <p:strVal val="visible"/>
+                                      </p:to>
+                                    </p:set>
+                                  </p:childTnLst>
+                                </p:cTn>
+                              </p:par>
+                            </p:childTnLst>
+                          </p:cTn>
+                        </p:par>
+                      </p:childTnLst>
+                    </p:cTn>
+                  </p:par>
+                </p:childTnLst>
+              </p:cTn>
+              <p:prevCondLst>
+                <p:cond evt="onPrev" delay="0">
+                  <p:tgtEl>
+                    <p:sldTgt/>
+                  </p:tgtEl>
+                </p:cond>
+              </p:prevCondLst>
+              <p:nextCondLst>
+                <p:cond evt="onNext" delay="0">
+                  <p:tgtEl>
+                    <p:sldTgt/>
+                  </p:tgtEl>
+                </p:cond>
+              </p:nextCondLst>
+            </p:seq>
+          </p:childTnLst>
+        </p:cTn>
+      </p:par>
+    </p:tnLst>
+  </p:timing>
+</p:sld>
+</file>
+
+<file path=ppt/slides/slide12.xml><?xml version="1.0" encoding="utf-8"?>
+<p:sld xmlns:a="http://schemas.openxmlformats.org/drawingml/2006/main" xmlns:r="http://schemas.openxmlformats.org/officeDocument/2006/relationships" xmlns:p="http://schemas.openxmlformats.org/presentationml/2006/main">
+  <p:cSld>
+    <p:spTree>
+      <p:nvGrpSpPr>
+        <p:cNvPr id="1" name=""/>
+        <p:cNvGrpSpPr/>
+        <p:nvPr/>
+      </p:nvGrpSpPr>
+      <p:grpSpPr>
+        <a:xfrm>
+          <a:off x="0" y="0"/>
+          <a:ext cx="0" cy="0"/>
+          <a:chOff x="0" y="0"/>
+          <a:chExt cx="0" cy="0"/>
+        </a:xfrm>
+      </p:grpSpPr>
+      <p:sp>
+        <p:nvSpPr>
           <p:cNvPr id="5" name="Slide Title">
             <a:extLst>
               <a:ext uri="{FF2B5EF4-FFF2-40B4-BE49-F238E27FC236}">
@@ -7822,7 +8744,7 @@
                 <a:hlinkClick r:id="rId3">
                   <a:extLst>
                     <a:ext uri="{A12FA001-AC4F-418D-AE19-62706E023703}">
-                      <ahyp:hlinkClr xmlns="" xmlns:ahyp="http://schemas.microsoft.com/office/drawing/2018/hyperlinkcolor" val="tx"/>
+                      <ahyp:hlinkClr xmlns:ahyp="http://schemas.microsoft.com/office/drawing/2018/hyperlinkcolor" xmlns="" val="tx"/>
                     </a:ext>
                   </a:extLst>
                 </a:hlinkClick>
@@ -7905,7 +8827,7 @@
 </p:sld>
 </file>
 
-<file path=ppt/slides/slide11.xml><?xml version="1.0" encoding="utf-8"?>
+<file path=ppt/slides/slide13.xml><?xml version="1.0" encoding="utf-8"?>
 <p:sld xmlns:a="http://schemas.openxmlformats.org/drawingml/2006/main" xmlns:r="http://schemas.openxmlformats.org/officeDocument/2006/relationships" xmlns:p="http://schemas.openxmlformats.org/presentationml/2006/main">
   <p:cSld>
     <p:spTree>
@@ -7958,7 +8880,7 @@
             <a:fld id="{2BF067CD-8E6B-4360-9AA8-C5DF2A48A6D1}" type="slidenum">
               <a:rPr lang="en-US" smtClean="0"/>
               <a:pPr/>
-              <a:t>11</a:t>
+              <a:t>13</a:t>
             </a:fld>
             <a:endParaRPr lang="en-US" dirty="0"/>
           </a:p>
@@ -8499,7 +9421,6 @@
               <a:rPr lang="bg-BG" dirty="0" smtClean="0"/>
               <a:t>Избор на изображение</a:t>
             </a:r>
-            <a:endParaRPr lang="bg-BG" dirty="0" smtClean="0"/>
           </a:p>
         </p:txBody>
       </p:sp>
@@ -10351,132 +11272,47 @@
       </p:grpSpPr>
       <p:sp>
         <p:nvSpPr>
-          <p:cNvPr id="14" name="Text Placeholder 4">
-            <a:extLst>
-              <a:ext uri="{FF2B5EF4-FFF2-40B4-BE49-F238E27FC236}">
-                <a16:creationId xmlns:a16="http://schemas.microsoft.com/office/drawing/2014/main" id="{0E49D336-45B6-44D3-97C4-E28F8DEA2022}"/>
-              </a:ext>
-            </a:extLst>
-          </p:cNvPr>
+          <p:cNvPr id="5" name="Title 4"/>
           <p:cNvSpPr>
             <a:spLocks noGrp="1"/>
           </p:cNvSpPr>
           <p:nvPr>
-            <p:ph type="body" sz="quarter" idx="10"/>
+            <p:ph type="title" sz="quarter" idx="10"/>
           </p:nvPr>
         </p:nvSpPr>
         <p:spPr>
           <a:xfrm>
-            <a:off x="869725" y="1577986"/>
-            <a:ext cx="7581212" cy="4772369"/>
+            <a:off x="615109" y="4704824"/>
+            <a:ext cx="10961783" cy="1649175"/>
           </a:xfrm>
         </p:spPr>
         <p:txBody>
           <a:bodyPr/>
-          <a:lstStyle>
-            <a:lvl1pPr marL="514350" indent="-514350">
-              <a:buFont typeface="Wingdings" panose="05000000000000000000" pitchFamily="2" charset="2"/>
-              <a:buChar char="§"/>
-              <a:defRPr>
-                <a:solidFill>
-                  <a:schemeClr val="bg2"/>
-                </a:solidFill>
-              </a:defRPr>
-            </a:lvl1pPr>
-            <a:lvl2pPr marL="1123935" indent="-514350">
-              <a:buFont typeface="Wingdings" panose="05000000000000000000" pitchFamily="2" charset="2"/>
-              <a:buChar char="§"/>
-              <a:defRPr>
-                <a:solidFill>
-                  <a:schemeClr val="tx1"/>
-                </a:solidFill>
-              </a:defRPr>
-            </a:lvl2pPr>
-            <a:lvl3pPr marL="1733520" indent="-514350">
-              <a:buFont typeface="Wingdings" panose="05000000000000000000" pitchFamily="2" charset="2"/>
-              <a:buChar char="§"/>
-              <a:defRPr>
-                <a:solidFill>
-                  <a:schemeClr val="tx1"/>
-                </a:solidFill>
-              </a:defRPr>
-            </a:lvl3pPr>
-            <a:lvl4pPr marL="2343105" indent="-514350">
-              <a:buFont typeface="Wingdings" panose="05000000000000000000" pitchFamily="2" charset="2"/>
-              <a:buChar char="§"/>
-              <a:defRPr>
-                <a:solidFill>
-                  <a:schemeClr val="tx1"/>
-                </a:solidFill>
-              </a:defRPr>
-            </a:lvl4pPr>
-            <a:lvl5pPr marL="2952689" indent="-514350">
-              <a:buFont typeface="Wingdings" panose="05000000000000000000" pitchFamily="2" charset="2"/>
-              <a:buChar char="§"/>
-              <a:defRPr>
-                <a:solidFill>
-                  <a:schemeClr val="tx1"/>
-                </a:solidFill>
-              </a:defRPr>
-            </a:lvl5pPr>
-          </a:lstStyle>
-          <a:p>
-            <a:pPr lvl="0"/>
-            <a:r>
-              <a:rPr lang="en-US" dirty="0"/>
-              <a:t>…</a:t>
-            </a:r>
-          </a:p>
-          <a:p>
-            <a:pPr lvl="0"/>
-            <a:r>
-              <a:rPr lang="en-GB" dirty="0"/>
-              <a:t>…</a:t>
+          <a:lstStyle/>
+          <a:p>
+            <a:r>
+              <a:rPr lang="bg-BG" dirty="0" smtClean="0"/>
+              <a:t>Изчертаване на линии и </a:t>
+            </a:r>
+            <a:r>
+              <a:rPr lang="bg-BG" dirty="0"/>
+              <a:t>геометрични</a:t>
+            </a:r>
+            <a:r>
+              <a:rPr lang="bg-BG" dirty="0" smtClean="0"/>
+              <a:t> </a:t>
+            </a:r>
+            <a:r>
+              <a:rPr lang="bg-BG" dirty="0"/>
+              <a:t>фигури</a:t>
             </a:r>
             <a:endParaRPr lang="en-US" dirty="0"/>
           </a:p>
-          <a:p>
-            <a:pPr lvl="0"/>
-            <a:r>
-              <a:rPr lang="en-GB" dirty="0"/>
-              <a:t>…</a:t>
-            </a:r>
-            <a:endParaRPr lang="en-US" dirty="0"/>
-          </a:p>
-          <a:p>
-            <a:pPr lvl="0"/>
-            <a:endParaRPr lang="en-US" dirty="0"/>
-          </a:p>
-        </p:txBody>
-      </p:sp>
-      <p:sp>
-        <p:nvSpPr>
-          <p:cNvPr id="4" name="Title 3"/>
-          <p:cNvSpPr>
-            <a:spLocks noGrp="1"/>
-          </p:cNvSpPr>
-          <p:nvPr>
-            <p:ph type="title"/>
-          </p:nvPr>
-        </p:nvSpPr>
-        <p:spPr/>
-        <p:txBody>
-          <a:bodyPr>
-            <a:normAutofit/>
-          </a:bodyPr>
-          <a:lstStyle/>
-          <a:p>
-            <a:r>
-              <a:rPr lang="bg-BG" dirty="0"/>
-              <a:t>Какво научихме днес?</a:t>
-            </a:r>
-            <a:endParaRPr lang="en-US" dirty="0"/>
-          </a:p>
-        </p:txBody>
-      </p:sp>
-      <p:sp>
-        <p:nvSpPr>
-          <p:cNvPr id="6" name="Slide Number Placeholder 5"/>
+        </p:txBody>
+      </p:sp>
+      <p:sp>
+        <p:nvSpPr>
+          <p:cNvPr id="2" name="Slide Number Placeholder 1"/>
           <p:cNvSpPr>
             <a:spLocks noGrp="1"/>
           </p:cNvSpPr>
@@ -10486,566 +11322,60 @@
         </p:nvSpPr>
         <p:spPr>
           <a:xfrm>
-            <a:off x="11566412" y="6397196"/>
-            <a:ext cx="428822" cy="308845"/>
+            <a:off x="11823700" y="6507163"/>
+            <a:ext cx="368300" cy="296862"/>
           </a:xfrm>
           <a:prstGeom prst="rect">
             <a:avLst/>
           </a:prstGeom>
         </p:spPr>
         <p:txBody>
-          <a:bodyPr vert="horz" lIns="36000" tIns="36000" rIns="36000" bIns="36000" rtlCol="0" anchor="ctr"/>
-          <a:lstStyle>
-            <a:defPPr>
-              <a:defRPr lang="en-US"/>
-            </a:defPPr>
-            <a:lvl1pPr marL="0" algn="r" defTabSz="914400" rtl="0" eaLnBrk="1" latinLnBrk="0" hangingPunct="1">
-              <a:defRPr sz="1000" kern="1200">
-                <a:solidFill>
-                  <a:schemeClr val="tx1"/>
-                </a:solidFill>
-                <a:latin typeface="+mn-lt"/>
-                <a:ea typeface="+mn-ea"/>
-                <a:cs typeface="+mn-cs"/>
-              </a:defRPr>
-            </a:lvl1pPr>
-            <a:lvl2pPr marL="457200" algn="l" defTabSz="914400" rtl="0" eaLnBrk="1" latinLnBrk="0" hangingPunct="1">
-              <a:defRPr sz="1800" kern="1200">
-                <a:solidFill>
-                  <a:schemeClr val="tx1"/>
-                </a:solidFill>
-                <a:latin typeface="+mn-lt"/>
-                <a:ea typeface="+mn-ea"/>
-                <a:cs typeface="+mn-cs"/>
-              </a:defRPr>
-            </a:lvl2pPr>
-            <a:lvl3pPr marL="914400" algn="l" defTabSz="914400" rtl="0" eaLnBrk="1" latinLnBrk="0" hangingPunct="1">
-              <a:defRPr sz="1800" kern="1200">
-                <a:solidFill>
-                  <a:schemeClr val="tx1"/>
-                </a:solidFill>
-                <a:latin typeface="+mn-lt"/>
-                <a:ea typeface="+mn-ea"/>
-                <a:cs typeface="+mn-cs"/>
-              </a:defRPr>
-            </a:lvl3pPr>
-            <a:lvl4pPr marL="1371600" algn="l" defTabSz="914400" rtl="0" eaLnBrk="1" latinLnBrk="0" hangingPunct="1">
-              <a:defRPr sz="1800" kern="1200">
-                <a:solidFill>
-                  <a:schemeClr val="tx1"/>
-                </a:solidFill>
-                <a:latin typeface="+mn-lt"/>
-                <a:ea typeface="+mn-ea"/>
-                <a:cs typeface="+mn-cs"/>
-              </a:defRPr>
-            </a:lvl4pPr>
-            <a:lvl5pPr marL="1828800" algn="l" defTabSz="914400" rtl="0" eaLnBrk="1" latinLnBrk="0" hangingPunct="1">
-              <a:defRPr sz="1800" kern="1200">
-                <a:solidFill>
-                  <a:schemeClr val="tx1"/>
-                </a:solidFill>
-                <a:latin typeface="+mn-lt"/>
-                <a:ea typeface="+mn-ea"/>
-                <a:cs typeface="+mn-cs"/>
-              </a:defRPr>
-            </a:lvl5pPr>
-            <a:lvl6pPr marL="2286000" algn="l" defTabSz="914400" rtl="0" eaLnBrk="1" latinLnBrk="0" hangingPunct="1">
-              <a:defRPr sz="1800" kern="1200">
-                <a:solidFill>
-                  <a:schemeClr val="tx1"/>
-                </a:solidFill>
-                <a:latin typeface="+mn-lt"/>
-                <a:ea typeface="+mn-ea"/>
-                <a:cs typeface="+mn-cs"/>
-              </a:defRPr>
-            </a:lvl6pPr>
-            <a:lvl7pPr marL="2743200" algn="l" defTabSz="914400" rtl="0" eaLnBrk="1" latinLnBrk="0" hangingPunct="1">
-              <a:defRPr sz="1800" kern="1200">
-                <a:solidFill>
-                  <a:schemeClr val="tx1"/>
-                </a:solidFill>
-                <a:latin typeface="+mn-lt"/>
-                <a:ea typeface="+mn-ea"/>
-                <a:cs typeface="+mn-cs"/>
-              </a:defRPr>
-            </a:lvl7pPr>
-            <a:lvl8pPr marL="3200400" algn="l" defTabSz="914400" rtl="0" eaLnBrk="1" latinLnBrk="0" hangingPunct="1">
-              <a:defRPr sz="1800" kern="1200">
-                <a:solidFill>
-                  <a:schemeClr val="tx1"/>
-                </a:solidFill>
-                <a:latin typeface="+mn-lt"/>
-                <a:ea typeface="+mn-ea"/>
-                <a:cs typeface="+mn-cs"/>
-              </a:defRPr>
-            </a:lvl8pPr>
-            <a:lvl9pPr marL="3657600" algn="l" defTabSz="914400" rtl="0" eaLnBrk="1" latinLnBrk="0" hangingPunct="1">
-              <a:defRPr sz="1800" kern="1200">
-                <a:solidFill>
-                  <a:schemeClr val="tx1"/>
-                </a:solidFill>
-                <a:latin typeface="+mn-lt"/>
-                <a:ea typeface="+mn-ea"/>
-                <a:cs typeface="+mn-cs"/>
-              </a:defRPr>
-            </a:lvl9pPr>
-          </a:lstStyle>
-          <a:p>
-            <a:fld id="{C014DD1E-5D91-48A3-AD6D-45FBA980D106}" type="slidenum">
-              <a:rPr lang="en-US" smtClean="0"/>
+          <a:bodyPr/>
+          <a:lstStyle/>
+          <a:p>
+            <a:fld id="{2BF067CD-8E6B-4360-9AA8-C5DF2A48A6D1}" type="slidenum">
+              <a:rPr lang="en-US" noProof="0" smtClean="0"/>
               <a:pPr/>
               <a:t>9</a:t>
             </a:fld>
-            <a:endParaRPr lang="en-US" dirty="0"/>
-          </a:p>
-        </p:txBody>
-      </p:sp>
-      <p:grpSp>
-        <p:nvGrpSpPr>
-          <p:cNvPr id="9" name="Group 8">
-            <a:extLst>
-              <a:ext uri="{FF2B5EF4-FFF2-40B4-BE49-F238E27FC236}">
-                <a16:creationId xmlns:a16="http://schemas.microsoft.com/office/drawing/2014/main" id="{EBAFE522-EB7D-4931-A015-9A7E8A98517D}"/>
-              </a:ext>
-            </a:extLst>
-          </p:cNvPr>
-          <p:cNvGrpSpPr/>
+            <a:endParaRPr lang="en-US" noProof="0" dirty="0"/>
+          </a:p>
+        </p:txBody>
+      </p:sp>
+      <p:pic>
+        <p:nvPicPr>
+          <p:cNvPr id="8" name="Picture 7"/>
+          <p:cNvPicPr>
+            <a:picLocks noChangeAspect="1"/>
+          </p:cNvPicPr>
           <p:nvPr/>
-        </p:nvGrpSpPr>
-        <p:grpSpPr>
-          <a:xfrm>
-            <a:off x="196766" y="1314000"/>
-            <a:ext cx="11798468" cy="5300339"/>
-            <a:chOff x="472011" y="1508786"/>
-            <a:chExt cx="3799787" cy="4865561"/>
-          </a:xfrm>
-        </p:grpSpPr>
-        <p:sp>
-          <p:nvSpPr>
-            <p:cNvPr id="10" name="Rounded Rectangle 10">
-              <a:extLst>
-                <a:ext uri="{FF2B5EF4-FFF2-40B4-BE49-F238E27FC236}">
-                  <a16:creationId xmlns:a16="http://schemas.microsoft.com/office/drawing/2014/main" id="{18F78F23-3D09-4B63-8DF9-D49CFBB145EE}"/>
-                </a:ext>
-              </a:extLst>
-            </p:cNvPr>
-            <p:cNvSpPr/>
-            <p:nvPr userDrawn="1"/>
-          </p:nvSpPr>
-          <p:spPr>
-            <a:xfrm>
-              <a:off x="472011" y="1508786"/>
-              <a:ext cx="3799787" cy="4865561"/>
-            </a:xfrm>
-            <a:prstGeom prst="roundRect">
-              <a:avLst>
-                <a:gd name="adj" fmla="val 3968"/>
-              </a:avLst>
-            </a:prstGeom>
-            <a:solidFill>
-              <a:schemeClr val="tx2"/>
-            </a:solidFill>
-            <a:ln>
-              <a:noFill/>
-            </a:ln>
-          </p:spPr>
-          <p:style>
-            <a:lnRef idx="2">
-              <a:schemeClr val="accent1">
-                <a:shade val="50000"/>
-              </a:schemeClr>
-            </a:lnRef>
-            <a:fillRef idx="1">
-              <a:schemeClr val="accent1"/>
-            </a:fillRef>
-            <a:effectRef idx="0">
-              <a:schemeClr val="accent1"/>
-            </a:effectRef>
-            <a:fontRef idx="minor">
-              <a:schemeClr val="lt1"/>
-            </a:fontRef>
-          </p:style>
-          <p:txBody>
-            <a:bodyPr rtlCol="0" anchor="ctr"/>
-            <a:lstStyle/>
-            <a:p>
-              <a:pPr algn="ctr"/>
-              <a:endParaRPr lang="ko-KR" altLang="en-US" sz="2399" dirty="0"/>
-            </a:p>
-          </p:txBody>
-        </p:sp>
-        <p:sp>
-          <p:nvSpPr>
-            <p:cNvPr id="11" name="Rounded Rectangle 16">
-              <a:extLst>
-                <a:ext uri="{FF2B5EF4-FFF2-40B4-BE49-F238E27FC236}">
-                  <a16:creationId xmlns:a16="http://schemas.microsoft.com/office/drawing/2014/main" id="{F12C06CE-2BBE-46C2-B718-813794C58DF9}"/>
-                </a:ext>
-              </a:extLst>
-            </p:cNvPr>
-            <p:cNvSpPr/>
-            <p:nvPr userDrawn="1"/>
-          </p:nvSpPr>
-          <p:spPr>
-            <a:xfrm>
-              <a:off x="540767" y="1781251"/>
-              <a:ext cx="85794" cy="4320631"/>
-            </a:xfrm>
-            <a:prstGeom prst="roundRect">
-              <a:avLst>
-                <a:gd name="adj" fmla="val 50000"/>
-              </a:avLst>
-            </a:prstGeom>
-            <a:solidFill>
-              <a:schemeClr val="bg2">
-                <a:alpha val="41000"/>
-              </a:schemeClr>
-            </a:solidFill>
-            <a:ln>
-              <a:noFill/>
-            </a:ln>
-          </p:spPr>
-          <p:style>
-            <a:lnRef idx="2">
-              <a:schemeClr val="accent1">
-                <a:shade val="50000"/>
-              </a:schemeClr>
-            </a:lnRef>
-            <a:fillRef idx="1">
-              <a:schemeClr val="accent1"/>
-            </a:fillRef>
-            <a:effectRef idx="0">
-              <a:schemeClr val="accent1"/>
-            </a:effectRef>
-            <a:fontRef idx="minor">
-              <a:schemeClr val="lt1"/>
-            </a:fontRef>
-          </p:style>
-          <p:txBody>
-            <a:bodyPr rtlCol="0" anchor="ctr"/>
-            <a:lstStyle/>
-            <a:p>
-              <a:pPr algn="ctr"/>
-              <a:endParaRPr lang="ko-KR" altLang="en-US" sz="2399">
-                <a:solidFill>
-                  <a:schemeClr val="bg1"/>
-                </a:solidFill>
-              </a:endParaRPr>
-            </a:p>
-          </p:txBody>
-        </p:sp>
-        <p:sp>
-          <p:nvSpPr>
-            <p:cNvPr id="12" name="Half Frame 11">
-              <a:extLst>
-                <a:ext uri="{FF2B5EF4-FFF2-40B4-BE49-F238E27FC236}">
-                  <a16:creationId xmlns:a16="http://schemas.microsoft.com/office/drawing/2014/main" id="{66CDBB1E-AF3C-43FC-9F34-2DD691F81726}"/>
-                </a:ext>
-              </a:extLst>
-            </p:cNvPr>
-            <p:cNvSpPr/>
-            <p:nvPr userDrawn="1"/>
-          </p:nvSpPr>
-          <p:spPr>
-            <a:xfrm rot="5400000">
-              <a:off x="3762569" y="1912372"/>
-              <a:ext cx="669775" cy="238503"/>
-            </a:xfrm>
-            <a:prstGeom prst="halfFrame">
-              <a:avLst>
-                <a:gd name="adj1" fmla="val 23728"/>
-                <a:gd name="adj2" fmla="val 24642"/>
-              </a:avLst>
-            </a:prstGeom>
-            <a:solidFill>
-              <a:schemeClr val="bg2">
-                <a:alpha val="23000"/>
-              </a:schemeClr>
-            </a:solidFill>
-            <a:ln>
-              <a:noFill/>
-            </a:ln>
-          </p:spPr>
-          <p:style>
-            <a:lnRef idx="2">
-              <a:schemeClr val="accent1">
-                <a:shade val="50000"/>
-              </a:schemeClr>
-            </a:lnRef>
-            <a:fillRef idx="1">
-              <a:schemeClr val="accent1"/>
-            </a:fillRef>
-            <a:effectRef idx="0">
-              <a:schemeClr val="accent1"/>
-            </a:effectRef>
-            <a:fontRef idx="minor">
-              <a:schemeClr val="lt1"/>
-            </a:fontRef>
-          </p:style>
-          <p:txBody>
-            <a:bodyPr rtlCol="0" anchor="ctr"/>
-            <a:lstStyle/>
-            <a:p>
-              <a:pPr algn="ctr"/>
-              <a:endParaRPr lang="ko-KR" altLang="en-US" sz="2399">
-                <a:solidFill>
-                  <a:schemeClr val="tx1"/>
-                </a:solidFill>
-              </a:endParaRPr>
-            </a:p>
-          </p:txBody>
-        </p:sp>
-      </p:grpSp>
-      <p:sp>
-        <p:nvSpPr>
-          <p:cNvPr id="15" name="Content Placeholder 4">
-            <a:extLst>
-              <a:ext uri="{FF2B5EF4-FFF2-40B4-BE49-F238E27FC236}">
-                <a16:creationId xmlns:a16="http://schemas.microsoft.com/office/drawing/2014/main" id="{B96A0DF8-27E7-4DC8-BBE3-7238AAAEB845}"/>
-              </a:ext>
-            </a:extLst>
-          </p:cNvPr>
-          <p:cNvSpPr txBox="1">
-            <a:spLocks/>
-          </p:cNvSpPr>
-          <p:nvPr/>
-        </p:nvSpPr>
+        </p:nvPicPr>
+        <p:blipFill>
+          <a:blip r:embed="rId2">
+            <a:extLst>
+              <a:ext uri="{28A0092B-C50C-407E-A947-70E740481C1C}">
+                <a14:useLocalDpi xmlns:a14="http://schemas.microsoft.com/office/drawing/2010/main" val="0"/>
+              </a:ext>
+            </a:extLst>
+          </a:blip>
+          <a:stretch>
+            <a:fillRect/>
+          </a:stretch>
+        </p:blipFill>
         <p:spPr>
           <a:xfrm>
-            <a:off x="676648" y="1610812"/>
-            <a:ext cx="11269351" cy="4894130"/>
+            <a:off x="4566000" y="684000"/>
+            <a:ext cx="3065144" cy="3833144"/>
           </a:xfrm>
           <a:prstGeom prst="rect">
             <a:avLst/>
           </a:prstGeom>
         </p:spPr>
-        <p:txBody>
-          <a:bodyPr vert="horz" lIns="108000" tIns="36000" rIns="108000" bIns="36000" rtlCol="0">
-            <a:noAutofit/>
-          </a:bodyPr>
-          <a:lstStyle>
-            <a:lvl1pPr marL="456915" indent="-456915" algn="l" defTabSz="1218438" rtl="0" eaLnBrk="1" latinLnBrk="0" hangingPunct="1">
-              <a:lnSpc>
-                <a:spcPct val="105000"/>
-              </a:lnSpc>
-              <a:spcBef>
-                <a:spcPts val="600"/>
-              </a:spcBef>
-              <a:spcAft>
-                <a:spcPts val="600"/>
-              </a:spcAft>
-              <a:buFont typeface="Wingdings" panose="05000000000000000000" pitchFamily="2" charset="2"/>
-              <a:buChar char="§"/>
-              <a:defRPr sz="3398" kern="1200">
-                <a:solidFill>
-                  <a:schemeClr val="tx1"/>
-                </a:solidFill>
-                <a:latin typeface="+mn-lt"/>
-                <a:ea typeface="+mn-ea"/>
-                <a:cs typeface="+mn-cs"/>
-              </a:defRPr>
-            </a:lvl1pPr>
-            <a:lvl2pPr marL="989981" indent="-380762" algn="l" defTabSz="1218438" rtl="0" eaLnBrk="1" latinLnBrk="0" hangingPunct="1">
-              <a:lnSpc>
-                <a:spcPct val="105000"/>
-              </a:lnSpc>
-              <a:spcBef>
-                <a:spcPts val="600"/>
-              </a:spcBef>
-              <a:spcAft>
-                <a:spcPts val="600"/>
-              </a:spcAft>
-              <a:buFont typeface="Wingdings" panose="05000000000000000000" pitchFamily="2" charset="2"/>
-              <a:buChar char="§"/>
-              <a:defRPr sz="3198" kern="1200">
-                <a:solidFill>
-                  <a:schemeClr val="tx1"/>
-                </a:solidFill>
-                <a:latin typeface="+mn-lt"/>
-                <a:ea typeface="+mn-ea"/>
-                <a:cs typeface="+mn-cs"/>
-              </a:defRPr>
-            </a:lvl2pPr>
-            <a:lvl3pPr marL="1523048" indent="-304610" algn="l" defTabSz="1218438" rtl="0" eaLnBrk="1" latinLnBrk="0" hangingPunct="1">
-              <a:lnSpc>
-                <a:spcPct val="105000"/>
-              </a:lnSpc>
-              <a:spcBef>
-                <a:spcPts val="600"/>
-              </a:spcBef>
-              <a:spcAft>
-                <a:spcPts val="600"/>
-              </a:spcAft>
-              <a:buFont typeface="Wingdings" panose="05000000000000000000" pitchFamily="2" charset="2"/>
-              <a:buChar char="§"/>
-              <a:defRPr sz="2998" kern="1200">
-                <a:solidFill>
-                  <a:schemeClr val="tx1"/>
-                </a:solidFill>
-                <a:latin typeface="+mn-lt"/>
-                <a:ea typeface="+mn-ea"/>
-                <a:cs typeface="+mn-cs"/>
-              </a:defRPr>
-            </a:lvl3pPr>
-            <a:lvl4pPr marL="2132267" indent="-304610" algn="l" defTabSz="1218438" rtl="0" eaLnBrk="1" latinLnBrk="0" hangingPunct="1">
-              <a:lnSpc>
-                <a:spcPct val="105000"/>
-              </a:lnSpc>
-              <a:spcBef>
-                <a:spcPts val="600"/>
-              </a:spcBef>
-              <a:spcAft>
-                <a:spcPts val="600"/>
-              </a:spcAft>
-              <a:buFont typeface="Wingdings" panose="05000000000000000000" pitchFamily="2" charset="2"/>
-              <a:buChar char="§"/>
-              <a:defRPr sz="2798" kern="1200">
-                <a:solidFill>
-                  <a:schemeClr val="tx1"/>
-                </a:solidFill>
-                <a:latin typeface="+mn-lt"/>
-                <a:ea typeface="+mn-ea"/>
-                <a:cs typeface="+mn-cs"/>
-              </a:defRPr>
-            </a:lvl4pPr>
-            <a:lvl5pPr marL="2741485" indent="-304610" algn="l" defTabSz="1218438" rtl="0" eaLnBrk="1" latinLnBrk="0" hangingPunct="1">
-              <a:lnSpc>
-                <a:spcPct val="105000"/>
-              </a:lnSpc>
-              <a:spcBef>
-                <a:spcPts val="600"/>
-              </a:spcBef>
-              <a:spcAft>
-                <a:spcPts val="600"/>
-              </a:spcAft>
-              <a:buFont typeface="Wingdings" panose="05000000000000000000" pitchFamily="2" charset="2"/>
-              <a:buChar char="§"/>
-              <a:defRPr sz="2598" kern="1200">
-                <a:solidFill>
-                  <a:schemeClr val="tx1"/>
-                </a:solidFill>
-                <a:latin typeface="+mn-lt"/>
-                <a:ea typeface="+mn-ea"/>
-                <a:cs typeface="+mn-cs"/>
-              </a:defRPr>
-            </a:lvl5pPr>
-            <a:lvl6pPr marL="3350704" indent="-304610" algn="l" defTabSz="1218438" rtl="0" eaLnBrk="1" latinLnBrk="0" hangingPunct="1">
-              <a:spcBef>
-                <a:spcPct val="20000"/>
-              </a:spcBef>
-              <a:buFont typeface="Arial" pitchFamily="34" charset="0"/>
-              <a:buChar char="•"/>
-              <a:defRPr sz="2665" kern="1200">
-                <a:solidFill>
-                  <a:schemeClr val="tx1"/>
-                </a:solidFill>
-                <a:latin typeface="+mn-lt"/>
-                <a:ea typeface="+mn-ea"/>
-                <a:cs typeface="+mn-cs"/>
-              </a:defRPr>
-            </a:lvl6pPr>
-            <a:lvl7pPr marL="3959924" indent="-304610" algn="l" defTabSz="1218438" rtl="0" eaLnBrk="1" latinLnBrk="0" hangingPunct="1">
-              <a:spcBef>
-                <a:spcPct val="20000"/>
-              </a:spcBef>
-              <a:buFont typeface="Arial" pitchFamily="34" charset="0"/>
-              <a:buChar char="•"/>
-              <a:defRPr sz="2665" kern="1200">
-                <a:solidFill>
-                  <a:schemeClr val="tx1"/>
-                </a:solidFill>
-                <a:latin typeface="+mn-lt"/>
-                <a:ea typeface="+mn-ea"/>
-                <a:cs typeface="+mn-cs"/>
-              </a:defRPr>
-            </a:lvl7pPr>
-            <a:lvl8pPr marL="4569143" indent="-304610" algn="l" defTabSz="1218438" rtl="0" eaLnBrk="1" latinLnBrk="0" hangingPunct="1">
-              <a:spcBef>
-                <a:spcPct val="20000"/>
-              </a:spcBef>
-              <a:buFont typeface="Arial" pitchFamily="34" charset="0"/>
-              <a:buChar char="•"/>
-              <a:defRPr sz="2665" kern="1200">
-                <a:solidFill>
-                  <a:schemeClr val="tx1"/>
-                </a:solidFill>
-                <a:latin typeface="+mn-lt"/>
-                <a:ea typeface="+mn-ea"/>
-                <a:cs typeface="+mn-cs"/>
-              </a:defRPr>
-            </a:lvl8pPr>
-            <a:lvl9pPr marL="5178362" indent="-304610" algn="l" defTabSz="1218438" rtl="0" eaLnBrk="1" latinLnBrk="0" hangingPunct="1">
-              <a:spcBef>
-                <a:spcPct val="20000"/>
-              </a:spcBef>
-              <a:buFont typeface="Arial" pitchFamily="34" charset="0"/>
-              <a:buChar char="•"/>
-              <a:defRPr sz="2665" kern="1200">
-                <a:solidFill>
-                  <a:schemeClr val="tx1"/>
-                </a:solidFill>
-                <a:latin typeface="+mn-lt"/>
-                <a:ea typeface="+mn-ea"/>
-                <a:cs typeface="+mn-cs"/>
-              </a:defRPr>
-            </a:lvl9pPr>
-          </a:lstStyle>
-          <a:p>
-            <a:pPr marL="381049">
-              <a:buClr>
-                <a:schemeClr val="bg2"/>
-              </a:buClr>
-            </a:pPr>
-            <a:r>
-              <a:rPr lang="en-US" sz="3200" dirty="0" smtClean="0">
-                <a:solidFill>
-                  <a:schemeClr val="bg2"/>
-                </a:solidFill>
-              </a:rPr>
-              <a:t>TODO</a:t>
-            </a:r>
-            <a:endParaRPr lang="ru-RU" sz="2600" dirty="0">
-              <a:solidFill>
-                <a:schemeClr val="bg2"/>
-              </a:solidFill>
-            </a:endParaRPr>
-          </a:p>
-          <a:p>
-            <a:pPr marL="381049">
-              <a:spcAft>
-                <a:spcPts val="1200"/>
-              </a:spcAft>
-              <a:buClr>
-                <a:schemeClr val="bg2"/>
-              </a:buClr>
-            </a:pPr>
-            <a:endParaRPr lang="bg-BG" sz="2800" dirty="0" smtClean="0">
-              <a:solidFill>
-                <a:schemeClr val="bg2"/>
-              </a:solidFill>
-            </a:endParaRPr>
-          </a:p>
-          <a:p>
-            <a:pPr marL="381049">
-              <a:spcAft>
-                <a:spcPts val="1200"/>
-              </a:spcAft>
-              <a:buClr>
-                <a:schemeClr val="bg2"/>
-              </a:buClr>
-            </a:pPr>
-            <a:endParaRPr lang="bg-BG" sz="2800" dirty="0">
-              <a:solidFill>
-                <a:schemeClr val="bg2"/>
-              </a:solidFill>
-            </a:endParaRPr>
-          </a:p>
-        </p:txBody>
-      </p:sp>
+      </p:pic>
     </p:spTree>
     <p:extLst>
       <p:ext uri="{BB962C8B-B14F-4D97-AF65-F5344CB8AC3E}">
-        <p14:creationId xmlns:p14="http://schemas.microsoft.com/office/powerpoint/2010/main" val="3542023837"/>
+        <p14:creationId xmlns:p14="http://schemas.microsoft.com/office/powerpoint/2010/main" val="3146653400"/>
       </p:ext>
     </p:extLst>
   </p:cSld>
@@ -11060,85 +11390,6 @@
       <p:transition spd="slow" advClick="0" advTm="5000"/>
     </mc:Fallback>
   </mc:AlternateContent>
-  <p:timing>
-    <p:tnLst>
-      <p:par>
-        <p:cTn id="1" dur="indefinite" restart="never" nodeType="tmRoot">
-          <p:childTnLst>
-            <p:seq concurrent="1" nextAc="seek">
-              <p:cTn id="2" dur="indefinite" nodeType="mainSeq">
-                <p:childTnLst>
-                  <p:par>
-                    <p:cTn id="3" fill="hold">
-                      <p:stCondLst>
-                        <p:cond delay="indefinite"/>
-                      </p:stCondLst>
-                      <p:childTnLst>
-                        <p:par>
-                          <p:cTn id="4" fill="hold">
-                            <p:stCondLst>
-                              <p:cond delay="0"/>
-                            </p:stCondLst>
-                            <p:childTnLst>
-                              <p:par>
-                                <p:cTn id="5" presetID="1" presetClass="entr" presetSubtype="0" fill="hold" nodeType="clickEffect">
-                                  <p:stCondLst>
-                                    <p:cond delay="0"/>
-                                  </p:stCondLst>
-                                  <p:childTnLst>
-                                    <p:set>
-                                      <p:cBhvr>
-                                        <p:cTn id="6" dur="1" fill="hold">
-                                          <p:stCondLst>
-                                            <p:cond delay="0"/>
-                                          </p:stCondLst>
-                                        </p:cTn>
-                                        <p:tgtEl>
-                                          <p:spTgt spid="15">
-                                            <p:txEl>
-                                              <p:pRg st="0" end="0"/>
-                                            </p:txEl>
-                                          </p:spTgt>
-                                        </p:tgtEl>
-                                        <p:attrNameLst>
-                                          <p:attrName>style.visibility</p:attrName>
-                                        </p:attrNameLst>
-                                      </p:cBhvr>
-                                      <p:to>
-                                        <p:strVal val="visible"/>
-                                      </p:to>
-                                    </p:set>
-                                  </p:childTnLst>
-                                </p:cTn>
-                              </p:par>
-                            </p:childTnLst>
-                          </p:cTn>
-                        </p:par>
-                      </p:childTnLst>
-                    </p:cTn>
-                  </p:par>
-                </p:childTnLst>
-              </p:cTn>
-              <p:prevCondLst>
-                <p:cond evt="onPrev" delay="0">
-                  <p:tgtEl>
-                    <p:sldTgt/>
-                  </p:tgtEl>
-                </p:cond>
-              </p:prevCondLst>
-              <p:nextCondLst>
-                <p:cond evt="onNext" delay="0">
-                  <p:tgtEl>
-                    <p:sldTgt/>
-                  </p:tgtEl>
-                </p:cond>
-              </p:nextCondLst>
-            </p:seq>
-          </p:childTnLst>
-        </p:cTn>
-      </p:par>
-    </p:tnLst>
-  </p:timing>
 </p:sld>
 </file>
 

--- a/Courses/Computer-Modeling-and-IT/Computer-Modeling-and-IT-5-Class/13-Freehand-Drawing-and-Painting-Tools/13-Freehand-Drawing-and-Painting-Tools.pptx
+++ b/Courses/Computer-Modeling-and-IT/Computer-Modeling-and-IT-5-Class/13-Freehand-Drawing-and-Painting-Tools/13-Freehand-Drawing-and-Painting-Tools.pptx
@@ -5,10 +5,10 @@
     <p:sldMasterId id="2147483675" r:id="rId1"/>
   </p:sldMasterIdLst>
   <p:notesMasterIdLst>
-    <p:notesMasterId r:id="rId15"/>
+    <p:notesMasterId r:id="rId20"/>
   </p:notesMasterIdLst>
   <p:handoutMasterIdLst>
-    <p:handoutMasterId r:id="rId16"/>
+    <p:handoutMasterId r:id="rId21"/>
   </p:handoutMasterIdLst>
   <p:sldIdLst>
     <p:sldId id="503" r:id="rId2"/>
@@ -20,10 +20,15 @@
     <p:sldId id="607" r:id="rId8"/>
     <p:sldId id="608" r:id="rId9"/>
     <p:sldId id="609" r:id="rId10"/>
-    <p:sldId id="611" r:id="rId11"/>
-    <p:sldId id="602" r:id="rId12"/>
-    <p:sldId id="504" r:id="rId13"/>
-    <p:sldId id="505" r:id="rId14"/>
+    <p:sldId id="614" r:id="rId11"/>
+    <p:sldId id="611" r:id="rId12"/>
+    <p:sldId id="612" r:id="rId13"/>
+    <p:sldId id="613" r:id="rId14"/>
+    <p:sldId id="615" r:id="rId15"/>
+    <p:sldId id="616" r:id="rId16"/>
+    <p:sldId id="602" r:id="rId17"/>
+    <p:sldId id="504" r:id="rId18"/>
+    <p:sldId id="505" r:id="rId19"/>
   </p:sldIdLst>
   <p:sldSz cx="12192000" cy="6858000"/>
   <p:notesSz cx="6858000" cy="9144000"/>
@@ -144,7 +149,12 @@
         <p14:section name="Изчертаване на линии и геометрични фигури" id="{C53E0C70-4F6C-4B17-B044-ED7163C16860}">
           <p14:sldIdLst>
             <p14:sldId id="609"/>
+            <p14:sldId id="614"/>
             <p14:sldId id="611"/>
+            <p14:sldId id="612"/>
+            <p14:sldId id="613"/>
+            <p14:sldId id="615"/>
+            <p14:sldId id="616"/>
           </p14:sldIdLst>
         </p14:section>
         <p14:section name="Заключение" id="{E19D07F1-86E2-47E9-B2AB-7ADC4F89DC12}">
@@ -271,7 +281,7 @@
           <a:p>
             <a:fld id="{4E087215-0C8F-4762-A664-737A353EC9A4}" type="datetimeFigureOut">
               <a:rPr lang="bg-BG" smtClean="0"/>
-              <a:t>31.10.2023 г.</a:t>
+              <a:t>11.11.2023 г.</a:t>
             </a:fld>
             <a:endParaRPr lang="bg-BG"/>
           </a:p>
@@ -467,7 +477,7 @@
           <a:p>
             <a:fld id="{72D84649-876A-46C9-8472-14CB09C070D8}" type="datetimeFigureOut">
               <a:rPr lang="en-US" smtClean="0"/>
-              <a:t>10/31/2023</a:t>
+              <a:t>11/11/2023</a:t>
             </a:fld>
             <a:endParaRPr lang="en-US"/>
           </a:p>
@@ -1252,7 +1262,7 @@
             <a:fld id="{3EBA5BD7-F043-4D1B-AA17-CD412FC534DE}" type="slidenum">
               <a:rPr lang="en-US" smtClean="0"/>
               <a:pPr/>
-              <a:t>11</a:t>
+              <a:t>16</a:t>
             </a:fld>
             <a:endParaRPr lang="en-US" dirty="0"/>
           </a:p>
@@ -1443,7 +1453,7 @@
             <a:fld id="{3EBA5BD7-F043-4D1B-AA17-CD412FC534DE}" type="slidenum">
               <a:rPr lang="en-US" smtClean="0"/>
               <a:pPr/>
-              <a:t>12</a:t>
+              <a:t>17</a:t>
             </a:fld>
             <a:endParaRPr lang="en-US" dirty="0"/>
           </a:p>
@@ -1673,7 +1683,7 @@
             <a:fld id="{3EBA5BD7-F043-4D1B-AA17-CD412FC534DE}" type="slidenum">
               <a:rPr lang="en-US" smtClean="0"/>
               <a:pPr/>
-              <a:t>13</a:t>
+              <a:t>18</a:t>
             </a:fld>
             <a:endParaRPr lang="en-US" dirty="0"/>
           </a:p>
@@ -4207,7 +4217,7 @@
             <a:fld id="{055373AC-9AA7-423B-BA00-BA1C74164DBD}" type="datetime1">
               <a:rPr lang="en-US" smtClean="0"/>
               <a:pPr/>
-              <a:t>10/31/2023</a:t>
+              <a:t>11/11/2023</a:t>
             </a:fld>
             <a:endParaRPr lang="en-US" dirty="0"/>
           </a:p>
@@ -7735,6 +7745,110 @@
       </p:grpSpPr>
       <p:sp>
         <p:nvSpPr>
+          <p:cNvPr id="4" name="Title 3"/>
+          <p:cNvSpPr>
+            <a:spLocks noGrp="1"/>
+          </p:cNvSpPr>
+          <p:nvPr>
+            <p:ph type="title" sz="quarter" idx="10"/>
+          </p:nvPr>
+        </p:nvSpPr>
+        <p:spPr>
+          <a:xfrm>
+            <a:off x="5241000" y="1994805"/>
+            <a:ext cx="6065892" cy="1754333"/>
+          </a:xfrm>
+        </p:spPr>
+        <p:txBody>
+          <a:bodyPr/>
+          <a:lstStyle/>
+          <a:p>
+            <a:r>
+              <a:rPr lang="bg-BG" dirty="0" smtClean="0"/>
+              <a:t>Права линия</a:t>
+            </a:r>
+            <a:endParaRPr lang="en-US" dirty="0"/>
+          </a:p>
+        </p:txBody>
+      </p:sp>
+      <p:cxnSp>
+        <p:nvCxnSpPr>
+          <p:cNvPr id="7" name="Straight Connector 6"/>
+          <p:cNvCxnSpPr/>
+          <p:nvPr/>
+        </p:nvCxnSpPr>
+        <p:spPr>
+          <a:xfrm>
+            <a:off x="1641000" y="2034000"/>
+            <a:ext cx="1800000" cy="1710000"/>
+          </a:xfrm>
+          <a:prstGeom prst="line">
+            <a:avLst/>
+          </a:prstGeom>
+          <a:ln w="76200"/>
+        </p:spPr>
+        <p:style>
+          <a:lnRef idx="1">
+            <a:schemeClr val="accent1"/>
+          </a:lnRef>
+          <a:fillRef idx="0">
+            <a:schemeClr val="accent1"/>
+          </a:fillRef>
+          <a:effectRef idx="0">
+            <a:schemeClr val="accent1"/>
+          </a:effectRef>
+          <a:fontRef idx="minor">
+            <a:schemeClr val="tx1"/>
+          </a:fontRef>
+        </p:style>
+      </p:cxnSp>
+    </p:spTree>
+    <p:extLst>
+      <p:ext uri="{BB962C8B-B14F-4D97-AF65-F5344CB8AC3E}">
+        <p14:creationId xmlns:p14="http://schemas.microsoft.com/office/powerpoint/2010/main" val="3470951129"/>
+      </p:ext>
+    </p:extLst>
+  </p:cSld>
+  <p:clrMapOvr>
+    <a:masterClrMapping/>
+  </p:clrMapOvr>
+  <mc:AlternateContent xmlns:mc="http://schemas.openxmlformats.org/markup-compatibility/2006" xmlns:p14="http://schemas.microsoft.com/office/powerpoint/2010/main">
+    <mc:Choice Requires="p14">
+      <p:transition spd="slow" p14:dur="2000" advClick="0" advTm="5000"/>
+    </mc:Choice>
+    <mc:Fallback xmlns="">
+      <p:transition spd="slow" advClick="0" advTm="5000"/>
+    </mc:Fallback>
+  </mc:AlternateContent>
+  <p:timing>
+    <p:tnLst>
+      <p:par>
+        <p:cTn id="1" dur="indefinite" restart="never" nodeType="tmRoot"/>
+      </p:par>
+    </p:tnLst>
+  </p:timing>
+</p:sld>
+</file>
+
+<file path=ppt/slides/slide11.xml><?xml version="1.0" encoding="utf-8"?>
+<p:sld xmlns:a="http://schemas.openxmlformats.org/drawingml/2006/main" xmlns:r="http://schemas.openxmlformats.org/officeDocument/2006/relationships" xmlns:p="http://schemas.openxmlformats.org/presentationml/2006/main">
+  <p:cSld>
+    <p:spTree>
+      <p:nvGrpSpPr>
+        <p:cNvPr id="1" name=""/>
+        <p:cNvGrpSpPr/>
+        <p:nvPr/>
+      </p:nvGrpSpPr>
+      <p:grpSpPr>
+        <a:xfrm>
+          <a:off x="0" y="0"/>
+          <a:ext cx="0" cy="0"/>
+          <a:chOff x="0" y="0"/>
+          <a:chExt cx="0" cy="0"/>
+        </a:xfrm>
+      </p:grpSpPr>
+      <p:sp>
+        <p:nvSpPr>
           <p:cNvPr id="2" name="Slide Number Placeholder 1"/>
           <p:cNvSpPr>
             <a:spLocks noGrp="1"/>
@@ -7751,7 +7865,7 @@
             <a:fld id="{2BF067CD-8E6B-4360-9AA8-C5DF2A48A6D1}" type="slidenum">
               <a:rPr lang="en-US" noProof="0" smtClean="0"/>
               <a:pPr/>
-              <a:t>10</a:t>
+              <a:t>11</a:t>
             </a:fld>
             <a:endParaRPr lang="en-US" noProof="0" dirty="0"/>
           </a:p>
@@ -7769,10 +7883,114 @@
         </p:nvSpPr>
         <p:spPr/>
         <p:txBody>
-          <a:bodyPr/>
+          <a:bodyPr>
+            <a:normAutofit/>
+          </a:bodyPr>
           <a:lstStyle/>
           <a:p>
-            <a:endParaRPr lang="en-US"/>
+            <a:r>
+              <a:rPr lang="bg-BG" dirty="0" smtClean="0"/>
+              <a:t>Инструментът за </a:t>
+            </a:r>
+            <a:r>
+              <a:rPr lang="bg-BG" b="1" dirty="0" smtClean="0"/>
+              <a:t>изчертаване на права линия </a:t>
+            </a:r>
+            <a:r>
+              <a:rPr lang="bg-BG" dirty="0" smtClean="0"/>
+              <a:t>се намира в </a:t>
+            </a:r>
+            <a:r>
+              <a:rPr lang="bg-BG" b="1" dirty="0" smtClean="0"/>
+              <a:t>панела </a:t>
+            </a:r>
+            <a:r>
+              <a:rPr lang="en-US" b="1" dirty="0" smtClean="0">
+                <a:solidFill>
+                  <a:schemeClr val="bg1"/>
+                </a:solidFill>
+              </a:rPr>
+              <a:t>Shapes</a:t>
+            </a:r>
+          </a:p>
+          <a:p>
+            <a:r>
+              <a:rPr lang="bg-BG" dirty="0" smtClean="0"/>
+              <a:t>Изчертаването става, като държим </a:t>
+            </a:r>
+            <a:r>
+              <a:rPr lang="bg-BG" b="1" dirty="0" smtClean="0"/>
+              <a:t>натиснат левия бутон </a:t>
+            </a:r>
+            <a:r>
+              <a:rPr lang="bg-BG" dirty="0" smtClean="0"/>
+              <a:t>и </a:t>
+            </a:r>
+            <a:r>
+              <a:rPr lang="bg-BG" b="1" dirty="0" smtClean="0"/>
+              <a:t>влачим мишката </a:t>
+            </a:r>
+            <a:r>
+              <a:rPr lang="bg-BG" dirty="0" smtClean="0"/>
+              <a:t>и </a:t>
+            </a:r>
+            <a:r>
+              <a:rPr lang="bg-BG" b="1" dirty="0" smtClean="0"/>
+              <a:t>пускаме</a:t>
+            </a:r>
+            <a:r>
+              <a:rPr lang="bg-BG" dirty="0" smtClean="0"/>
+              <a:t> бутона на </a:t>
+            </a:r>
+            <a:r>
+              <a:rPr lang="bg-BG" b="1" dirty="0" smtClean="0"/>
+              <a:t>желаното място</a:t>
+            </a:r>
+          </a:p>
+          <a:p>
+            <a:r>
+              <a:rPr lang="bg-BG" dirty="0" smtClean="0"/>
+              <a:t>На </a:t>
+            </a:r>
+            <a:r>
+              <a:rPr lang="bg-BG" b="1" dirty="0" smtClean="0"/>
+              <a:t>линията</a:t>
+            </a:r>
+            <a:r>
+              <a:rPr lang="bg-BG" dirty="0" smtClean="0"/>
+              <a:t> може да бъде </a:t>
+            </a:r>
+            <a:r>
+              <a:rPr lang="bg-BG" b="1" dirty="0" smtClean="0"/>
+              <a:t>зададено</a:t>
+            </a:r>
+            <a:r>
+              <a:rPr lang="bg-BG" dirty="0" smtClean="0"/>
+              <a:t>:</a:t>
+            </a:r>
+            <a:endParaRPr lang="bg-BG" dirty="0"/>
+          </a:p>
+          <a:p>
+            <a:pPr lvl="1"/>
+            <a:r>
+              <a:rPr lang="bg-BG" b="1" dirty="0" smtClean="0"/>
+              <a:t>Цвят</a:t>
+            </a:r>
+          </a:p>
+          <a:p>
+            <a:pPr lvl="1"/>
+            <a:r>
+              <a:rPr lang="bg-BG" b="1" dirty="0" smtClean="0"/>
+              <a:t>Дебелина</a:t>
+            </a:r>
+          </a:p>
+          <a:p>
+            <a:pPr lvl="1"/>
+            <a:r>
+              <a:rPr lang="bg-BG" b="1" dirty="0" smtClean="0"/>
+              <a:t>Очертание</a:t>
+            </a:r>
+            <a:endParaRPr lang="bg-BG" b="1" dirty="0" smtClean="0"/>
           </a:p>
         </p:txBody>
       </p:sp>
@@ -7793,12 +8011,225 @@
           <a:p>
             <a:r>
               <a:rPr lang="bg-BG" dirty="0" smtClean="0"/>
-              <a:t>Изчертаване на права линия</a:t>
+              <a:t>Изчертаване на права </a:t>
+            </a:r>
+            <a:r>
+              <a:rPr lang="bg-BG" dirty="0" smtClean="0"/>
+              <a:t>линия (1)</a:t>
             </a:r>
             <a:endParaRPr lang="en-US" dirty="0"/>
           </a:p>
         </p:txBody>
       </p:sp>
+      <p:sp>
+        <p:nvSpPr>
+          <p:cNvPr id="8" name="Rectangle 7"/>
+          <p:cNvSpPr/>
+          <p:nvPr/>
+        </p:nvSpPr>
+        <p:spPr bwMode="auto">
+          <a:xfrm>
+            <a:off x="8390999" y="4329000"/>
+            <a:ext cx="2191249" cy="1935000"/>
+          </a:xfrm>
+          <a:prstGeom prst="rect">
+            <a:avLst/>
+          </a:prstGeom>
+          <a:noFill/>
+          <a:ln w="19050">
+            <a:solidFill>
+              <a:schemeClr val="tx1">
+                <a:lumMod val="75000"/>
+                <a:alpha val="80000"/>
+              </a:schemeClr>
+            </a:solidFill>
+          </a:ln>
+          <a:effectLst/>
+        </p:spPr>
+        <p:style>
+          <a:lnRef idx="2">
+            <a:schemeClr val="accent1">
+              <a:shade val="50000"/>
+            </a:schemeClr>
+          </a:lnRef>
+          <a:fillRef idx="1001">
+            <a:schemeClr val="dk2"/>
+          </a:fillRef>
+          <a:effectRef idx="0">
+            <a:schemeClr val="accent1"/>
+          </a:effectRef>
+          <a:fontRef idx="minor">
+            <a:schemeClr val="lt1"/>
+          </a:fontRef>
+        </p:style>
+        <p:txBody>
+          <a:bodyPr rot="0" spcFirstLastPara="0" vertOverflow="overflow" horzOverflow="overflow" vert="horz" wrap="square" lIns="91440" tIns="45720" rIns="91440" bIns="45720" numCol="1" spcCol="0" rtlCol="0" fromWordArt="0" anchor="ctr" anchorCtr="0" forceAA="0" compatLnSpc="1">
+            <a:prstTxWarp prst="textNoShape">
+              <a:avLst/>
+            </a:prstTxWarp>
+            <a:noAutofit/>
+          </a:bodyPr>
+          <a:lstStyle/>
+          <a:p>
+            <a:pPr algn="ctr"/>
+            <a:endParaRPr lang="en-US" sz="2800" b="1" dirty="0">
+              <a:solidFill>
+                <a:srgbClr val="FFFFFF"/>
+              </a:solidFill>
+              <a:effectLst>
+                <a:outerShdw blurRad="38100" dist="38100" dir="2700000" algn="tl">
+                  <a:srgbClr val="000000">
+                    <a:alpha val="43137"/>
+                  </a:srgbClr>
+                </a:outerShdw>
+              </a:effectLst>
+            </a:endParaRPr>
+          </a:p>
+        </p:txBody>
+      </p:sp>
+      <p:cxnSp>
+        <p:nvCxnSpPr>
+          <p:cNvPr id="6" name="Straight Connector 5"/>
+          <p:cNvCxnSpPr/>
+          <p:nvPr/>
+        </p:nvCxnSpPr>
+        <p:spPr>
+          <a:xfrm>
+            <a:off x="8751000" y="4734000"/>
+            <a:ext cx="1485000" cy="1260000"/>
+          </a:xfrm>
+          <a:prstGeom prst="line">
+            <a:avLst/>
+          </a:prstGeom>
+          <a:ln w="57150"/>
+        </p:spPr>
+        <p:style>
+          <a:lnRef idx="1">
+            <a:schemeClr val="dk1"/>
+          </a:lnRef>
+          <a:fillRef idx="0">
+            <a:schemeClr val="dk1"/>
+          </a:fillRef>
+          <a:effectRef idx="0">
+            <a:schemeClr val="dk1"/>
+          </a:effectRef>
+          <a:fontRef idx="minor">
+            <a:schemeClr val="tx1"/>
+          </a:fontRef>
+        </p:style>
+      </p:cxnSp>
+      <p:cxnSp>
+        <p:nvCxnSpPr>
+          <p:cNvPr id="15" name="Straight Connector 14"/>
+          <p:cNvCxnSpPr/>
+          <p:nvPr/>
+        </p:nvCxnSpPr>
+        <p:spPr>
+          <a:xfrm>
+            <a:off x="8751000" y="4734000"/>
+            <a:ext cx="1485000" cy="1260000"/>
+          </a:xfrm>
+          <a:prstGeom prst="line">
+            <a:avLst/>
+          </a:prstGeom>
+          <a:ln w="57150"/>
+        </p:spPr>
+        <p:style>
+          <a:lnRef idx="1">
+            <a:schemeClr val="accent1"/>
+          </a:lnRef>
+          <a:fillRef idx="0">
+            <a:schemeClr val="accent1"/>
+          </a:fillRef>
+          <a:effectRef idx="0">
+            <a:schemeClr val="accent1"/>
+          </a:effectRef>
+          <a:fontRef idx="minor">
+            <a:schemeClr val="tx1"/>
+          </a:fontRef>
+        </p:style>
+      </p:cxnSp>
+      <p:cxnSp>
+        <p:nvCxnSpPr>
+          <p:cNvPr id="17" name="Straight Connector 16"/>
+          <p:cNvCxnSpPr/>
+          <p:nvPr/>
+        </p:nvCxnSpPr>
+        <p:spPr>
+          <a:xfrm>
+            <a:off x="8751000" y="4734000"/>
+            <a:ext cx="1485000" cy="1260000"/>
+          </a:xfrm>
+          <a:prstGeom prst="line">
+            <a:avLst/>
+          </a:prstGeom>
+          <a:ln w="76200"/>
+        </p:spPr>
+        <p:style>
+          <a:lnRef idx="1">
+            <a:schemeClr val="accent1"/>
+          </a:lnRef>
+          <a:fillRef idx="0">
+            <a:schemeClr val="accent1"/>
+          </a:fillRef>
+          <a:effectRef idx="0">
+            <a:schemeClr val="accent1"/>
+          </a:effectRef>
+          <a:fontRef idx="minor">
+            <a:schemeClr val="tx1"/>
+          </a:fontRef>
+        </p:style>
+      </p:cxnSp>
+      <p:cxnSp>
+        <p:nvCxnSpPr>
+          <p:cNvPr id="19" name="Straight Connector 18"/>
+          <p:cNvCxnSpPr/>
+          <p:nvPr/>
+        </p:nvCxnSpPr>
+        <p:spPr>
+          <a:xfrm>
+            <a:off x="8751000" y="4734000"/>
+            <a:ext cx="1485000" cy="1260000"/>
+          </a:xfrm>
+          <a:prstGeom prst="line">
+            <a:avLst/>
+          </a:prstGeom>
+          <a:ln w="76200">
+            <a:gradFill flip="none" rotWithShape="1">
+              <a:gsLst>
+                <a:gs pos="100000">
+                  <a:schemeClr val="accent1">
+                    <a:lumMod val="76000"/>
+                  </a:schemeClr>
+                </a:gs>
+                <a:gs pos="0">
+                  <a:schemeClr val="accent1">
+                    <a:lumMod val="30000"/>
+                    <a:lumOff val="70000"/>
+                  </a:schemeClr>
+                </a:gs>
+              </a:gsLst>
+              <a:lin ang="2700000" scaled="1"/>
+              <a:tileRect/>
+            </a:gradFill>
+            <a:prstDash val="solid"/>
+          </a:ln>
+        </p:spPr>
+        <p:style>
+          <a:lnRef idx="1">
+            <a:schemeClr val="accent1"/>
+          </a:lnRef>
+          <a:fillRef idx="0">
+            <a:schemeClr val="accent1"/>
+          </a:fillRef>
+          <a:effectRef idx="0">
+            <a:schemeClr val="accent1"/>
+          </a:effectRef>
+          <a:fontRef idx="minor">
+            <a:schemeClr val="tx1"/>
+          </a:fontRef>
+        </p:style>
+      </p:cxnSp>
     </p:spTree>
     <p:extLst>
       <p:ext uri="{BB962C8B-B14F-4D97-AF65-F5344CB8AC3E}">
@@ -7817,10 +8248,1348 @@
       <p:transition spd="slow" advClick="0" advTm="5000"/>
     </mc:Fallback>
   </mc:AlternateContent>
+  <p:timing>
+    <p:tnLst>
+      <p:par>
+        <p:cTn id="1" dur="indefinite" restart="never" nodeType="tmRoot">
+          <p:childTnLst>
+            <p:seq concurrent="1" nextAc="seek">
+              <p:cTn id="2" dur="indefinite" nodeType="mainSeq">
+                <p:childTnLst>
+                  <p:par>
+                    <p:cTn id="3" fill="hold">
+                      <p:stCondLst>
+                        <p:cond delay="indefinite"/>
+                      </p:stCondLst>
+                      <p:childTnLst>
+                        <p:par>
+                          <p:cTn id="4" fill="hold">
+                            <p:stCondLst>
+                              <p:cond delay="0"/>
+                            </p:stCondLst>
+                            <p:childTnLst>
+                              <p:par>
+                                <p:cTn id="5" presetID="1" presetClass="entr" presetSubtype="0" fill="hold" grpId="0" nodeType="clickEffect">
+                                  <p:stCondLst>
+                                    <p:cond delay="0"/>
+                                  </p:stCondLst>
+                                  <p:childTnLst>
+                                    <p:set>
+                                      <p:cBhvr>
+                                        <p:cTn id="6" dur="1" fill="hold">
+                                          <p:stCondLst>
+                                            <p:cond delay="0"/>
+                                          </p:stCondLst>
+                                        </p:cTn>
+                                        <p:tgtEl>
+                                          <p:spTgt spid="8"/>
+                                        </p:tgtEl>
+                                        <p:attrNameLst>
+                                          <p:attrName>style.visibility</p:attrName>
+                                        </p:attrNameLst>
+                                      </p:cBhvr>
+                                      <p:to>
+                                        <p:strVal val="visible"/>
+                                      </p:to>
+                                    </p:set>
+                                  </p:childTnLst>
+                                </p:cTn>
+                              </p:par>
+                              <p:par>
+                                <p:cTn id="7" presetID="1" presetClass="entr" presetSubtype="0" fill="hold" nodeType="withEffect">
+                                  <p:stCondLst>
+                                    <p:cond delay="0"/>
+                                  </p:stCondLst>
+                                  <p:childTnLst>
+                                    <p:set>
+                                      <p:cBhvr>
+                                        <p:cTn id="8" dur="1" fill="hold">
+                                          <p:stCondLst>
+                                            <p:cond delay="0"/>
+                                          </p:stCondLst>
+                                        </p:cTn>
+                                        <p:tgtEl>
+                                          <p:spTgt spid="6"/>
+                                        </p:tgtEl>
+                                        <p:attrNameLst>
+                                          <p:attrName>style.visibility</p:attrName>
+                                        </p:attrNameLst>
+                                      </p:cBhvr>
+                                      <p:to>
+                                        <p:strVal val="visible"/>
+                                      </p:to>
+                                    </p:set>
+                                  </p:childTnLst>
+                                </p:cTn>
+                              </p:par>
+                            </p:childTnLst>
+                          </p:cTn>
+                        </p:par>
+                      </p:childTnLst>
+                    </p:cTn>
+                  </p:par>
+                  <p:par>
+                    <p:cTn id="9" fill="hold">
+                      <p:stCondLst>
+                        <p:cond delay="indefinite"/>
+                      </p:stCondLst>
+                      <p:childTnLst>
+                        <p:par>
+                          <p:cTn id="10" fill="hold">
+                            <p:stCondLst>
+                              <p:cond delay="0"/>
+                            </p:stCondLst>
+                            <p:childTnLst>
+                              <p:par>
+                                <p:cTn id="11" presetID="1" presetClass="entr" presetSubtype="0" fill="hold" nodeType="clickEffect">
+                                  <p:stCondLst>
+                                    <p:cond delay="0"/>
+                                  </p:stCondLst>
+                                  <p:childTnLst>
+                                    <p:set>
+                                      <p:cBhvr>
+                                        <p:cTn id="12" dur="1" fill="hold">
+                                          <p:stCondLst>
+                                            <p:cond delay="0"/>
+                                          </p:stCondLst>
+                                        </p:cTn>
+                                        <p:tgtEl>
+                                          <p:spTgt spid="3">
+                                            <p:txEl>
+                                              <p:pRg st="1" end="1"/>
+                                            </p:txEl>
+                                          </p:spTgt>
+                                        </p:tgtEl>
+                                        <p:attrNameLst>
+                                          <p:attrName>style.visibility</p:attrName>
+                                        </p:attrNameLst>
+                                      </p:cBhvr>
+                                      <p:to>
+                                        <p:strVal val="visible"/>
+                                      </p:to>
+                                    </p:set>
+                                  </p:childTnLst>
+                                </p:cTn>
+                              </p:par>
+                            </p:childTnLst>
+                          </p:cTn>
+                        </p:par>
+                      </p:childTnLst>
+                    </p:cTn>
+                  </p:par>
+                  <p:par>
+                    <p:cTn id="13" fill="hold">
+                      <p:stCondLst>
+                        <p:cond delay="indefinite"/>
+                      </p:stCondLst>
+                      <p:childTnLst>
+                        <p:par>
+                          <p:cTn id="14" fill="hold">
+                            <p:stCondLst>
+                              <p:cond delay="0"/>
+                            </p:stCondLst>
+                            <p:childTnLst>
+                              <p:par>
+                                <p:cTn id="15" presetID="1" presetClass="entr" presetSubtype="0" fill="hold" nodeType="clickEffect">
+                                  <p:stCondLst>
+                                    <p:cond delay="0"/>
+                                  </p:stCondLst>
+                                  <p:childTnLst>
+                                    <p:set>
+                                      <p:cBhvr>
+                                        <p:cTn id="16" dur="1" fill="hold">
+                                          <p:stCondLst>
+                                            <p:cond delay="0"/>
+                                          </p:stCondLst>
+                                        </p:cTn>
+                                        <p:tgtEl>
+                                          <p:spTgt spid="3">
+                                            <p:txEl>
+                                              <p:pRg st="2" end="2"/>
+                                            </p:txEl>
+                                          </p:spTgt>
+                                        </p:tgtEl>
+                                        <p:attrNameLst>
+                                          <p:attrName>style.visibility</p:attrName>
+                                        </p:attrNameLst>
+                                      </p:cBhvr>
+                                      <p:to>
+                                        <p:strVal val="visible"/>
+                                      </p:to>
+                                    </p:set>
+                                  </p:childTnLst>
+                                </p:cTn>
+                              </p:par>
+                            </p:childTnLst>
+                          </p:cTn>
+                        </p:par>
+                      </p:childTnLst>
+                    </p:cTn>
+                  </p:par>
+                  <p:par>
+                    <p:cTn id="17" fill="hold">
+                      <p:stCondLst>
+                        <p:cond delay="indefinite"/>
+                      </p:stCondLst>
+                      <p:childTnLst>
+                        <p:par>
+                          <p:cTn id="18" fill="hold">
+                            <p:stCondLst>
+                              <p:cond delay="0"/>
+                            </p:stCondLst>
+                            <p:childTnLst>
+                              <p:par>
+                                <p:cTn id="19" presetID="1" presetClass="entr" presetSubtype="0" fill="hold" nodeType="clickEffect">
+                                  <p:stCondLst>
+                                    <p:cond delay="0"/>
+                                  </p:stCondLst>
+                                  <p:childTnLst>
+                                    <p:set>
+                                      <p:cBhvr>
+                                        <p:cTn id="20" dur="1" fill="hold">
+                                          <p:stCondLst>
+                                            <p:cond delay="0"/>
+                                          </p:stCondLst>
+                                        </p:cTn>
+                                        <p:tgtEl>
+                                          <p:spTgt spid="3">
+                                            <p:txEl>
+                                              <p:pRg st="3" end="3"/>
+                                            </p:txEl>
+                                          </p:spTgt>
+                                        </p:tgtEl>
+                                        <p:attrNameLst>
+                                          <p:attrName>style.visibility</p:attrName>
+                                        </p:attrNameLst>
+                                      </p:cBhvr>
+                                      <p:to>
+                                        <p:strVal val="visible"/>
+                                      </p:to>
+                                    </p:set>
+                                  </p:childTnLst>
+                                </p:cTn>
+                              </p:par>
+                              <p:par>
+                                <p:cTn id="21" presetID="1" presetClass="exit" presetSubtype="0" fill="hold" nodeType="withEffect">
+                                  <p:stCondLst>
+                                    <p:cond delay="0"/>
+                                  </p:stCondLst>
+                                  <p:childTnLst>
+                                    <p:set>
+                                      <p:cBhvr>
+                                        <p:cTn id="22" dur="1" fill="hold">
+                                          <p:stCondLst>
+                                            <p:cond delay="0"/>
+                                          </p:stCondLst>
+                                        </p:cTn>
+                                        <p:tgtEl>
+                                          <p:spTgt spid="6"/>
+                                        </p:tgtEl>
+                                        <p:attrNameLst>
+                                          <p:attrName>style.visibility</p:attrName>
+                                        </p:attrNameLst>
+                                      </p:cBhvr>
+                                      <p:to>
+                                        <p:strVal val="hidden"/>
+                                      </p:to>
+                                    </p:set>
+                                  </p:childTnLst>
+                                </p:cTn>
+                              </p:par>
+                              <p:par>
+                                <p:cTn id="23" presetID="1" presetClass="entr" presetSubtype="0" fill="hold" nodeType="withEffect">
+                                  <p:stCondLst>
+                                    <p:cond delay="0"/>
+                                  </p:stCondLst>
+                                  <p:childTnLst>
+                                    <p:set>
+                                      <p:cBhvr>
+                                        <p:cTn id="24" dur="1" fill="hold">
+                                          <p:stCondLst>
+                                            <p:cond delay="0"/>
+                                          </p:stCondLst>
+                                        </p:cTn>
+                                        <p:tgtEl>
+                                          <p:spTgt spid="15"/>
+                                        </p:tgtEl>
+                                        <p:attrNameLst>
+                                          <p:attrName>style.visibility</p:attrName>
+                                        </p:attrNameLst>
+                                      </p:cBhvr>
+                                      <p:to>
+                                        <p:strVal val="visible"/>
+                                      </p:to>
+                                    </p:set>
+                                  </p:childTnLst>
+                                </p:cTn>
+                              </p:par>
+                            </p:childTnLst>
+                          </p:cTn>
+                        </p:par>
+                      </p:childTnLst>
+                    </p:cTn>
+                  </p:par>
+                  <p:par>
+                    <p:cTn id="25" fill="hold">
+                      <p:stCondLst>
+                        <p:cond delay="indefinite"/>
+                      </p:stCondLst>
+                      <p:childTnLst>
+                        <p:par>
+                          <p:cTn id="26" fill="hold">
+                            <p:stCondLst>
+                              <p:cond delay="0"/>
+                            </p:stCondLst>
+                            <p:childTnLst>
+                              <p:par>
+                                <p:cTn id="27" presetID="1" presetClass="entr" presetSubtype="0" fill="hold" nodeType="clickEffect">
+                                  <p:stCondLst>
+                                    <p:cond delay="0"/>
+                                  </p:stCondLst>
+                                  <p:childTnLst>
+                                    <p:set>
+                                      <p:cBhvr>
+                                        <p:cTn id="28" dur="1" fill="hold">
+                                          <p:stCondLst>
+                                            <p:cond delay="0"/>
+                                          </p:stCondLst>
+                                        </p:cTn>
+                                        <p:tgtEl>
+                                          <p:spTgt spid="3">
+                                            <p:txEl>
+                                              <p:pRg st="4" end="4"/>
+                                            </p:txEl>
+                                          </p:spTgt>
+                                        </p:tgtEl>
+                                        <p:attrNameLst>
+                                          <p:attrName>style.visibility</p:attrName>
+                                        </p:attrNameLst>
+                                      </p:cBhvr>
+                                      <p:to>
+                                        <p:strVal val="visible"/>
+                                      </p:to>
+                                    </p:set>
+                                  </p:childTnLst>
+                                </p:cTn>
+                              </p:par>
+                              <p:par>
+                                <p:cTn id="29" presetID="1" presetClass="exit" presetSubtype="0" fill="hold" nodeType="withEffect">
+                                  <p:stCondLst>
+                                    <p:cond delay="0"/>
+                                  </p:stCondLst>
+                                  <p:childTnLst>
+                                    <p:set>
+                                      <p:cBhvr>
+                                        <p:cTn id="30" dur="1" fill="hold">
+                                          <p:stCondLst>
+                                            <p:cond delay="0"/>
+                                          </p:stCondLst>
+                                        </p:cTn>
+                                        <p:tgtEl>
+                                          <p:spTgt spid="15"/>
+                                        </p:tgtEl>
+                                        <p:attrNameLst>
+                                          <p:attrName>style.visibility</p:attrName>
+                                        </p:attrNameLst>
+                                      </p:cBhvr>
+                                      <p:to>
+                                        <p:strVal val="hidden"/>
+                                      </p:to>
+                                    </p:set>
+                                  </p:childTnLst>
+                                </p:cTn>
+                              </p:par>
+                              <p:par>
+                                <p:cTn id="31" presetID="1" presetClass="entr" presetSubtype="0" fill="hold" nodeType="withEffect">
+                                  <p:stCondLst>
+                                    <p:cond delay="0"/>
+                                  </p:stCondLst>
+                                  <p:childTnLst>
+                                    <p:set>
+                                      <p:cBhvr>
+                                        <p:cTn id="32" dur="1" fill="hold">
+                                          <p:stCondLst>
+                                            <p:cond delay="0"/>
+                                          </p:stCondLst>
+                                        </p:cTn>
+                                        <p:tgtEl>
+                                          <p:spTgt spid="17"/>
+                                        </p:tgtEl>
+                                        <p:attrNameLst>
+                                          <p:attrName>style.visibility</p:attrName>
+                                        </p:attrNameLst>
+                                      </p:cBhvr>
+                                      <p:to>
+                                        <p:strVal val="visible"/>
+                                      </p:to>
+                                    </p:set>
+                                  </p:childTnLst>
+                                </p:cTn>
+                              </p:par>
+                            </p:childTnLst>
+                          </p:cTn>
+                        </p:par>
+                      </p:childTnLst>
+                    </p:cTn>
+                  </p:par>
+                  <p:par>
+                    <p:cTn id="33" fill="hold">
+                      <p:stCondLst>
+                        <p:cond delay="indefinite"/>
+                      </p:stCondLst>
+                      <p:childTnLst>
+                        <p:par>
+                          <p:cTn id="34" fill="hold">
+                            <p:stCondLst>
+                              <p:cond delay="0"/>
+                            </p:stCondLst>
+                            <p:childTnLst>
+                              <p:par>
+                                <p:cTn id="35" presetID="1" presetClass="entr" presetSubtype="0" fill="hold" nodeType="clickEffect">
+                                  <p:stCondLst>
+                                    <p:cond delay="0"/>
+                                  </p:stCondLst>
+                                  <p:childTnLst>
+                                    <p:set>
+                                      <p:cBhvr>
+                                        <p:cTn id="36" dur="1" fill="hold">
+                                          <p:stCondLst>
+                                            <p:cond delay="0"/>
+                                          </p:stCondLst>
+                                        </p:cTn>
+                                        <p:tgtEl>
+                                          <p:spTgt spid="3">
+                                            <p:txEl>
+                                              <p:pRg st="5" end="5"/>
+                                            </p:txEl>
+                                          </p:spTgt>
+                                        </p:tgtEl>
+                                        <p:attrNameLst>
+                                          <p:attrName>style.visibility</p:attrName>
+                                        </p:attrNameLst>
+                                      </p:cBhvr>
+                                      <p:to>
+                                        <p:strVal val="visible"/>
+                                      </p:to>
+                                    </p:set>
+                                  </p:childTnLst>
+                                </p:cTn>
+                              </p:par>
+                              <p:par>
+                                <p:cTn id="37" presetID="1" presetClass="exit" presetSubtype="0" fill="hold" nodeType="withEffect">
+                                  <p:stCondLst>
+                                    <p:cond delay="0"/>
+                                  </p:stCondLst>
+                                  <p:childTnLst>
+                                    <p:set>
+                                      <p:cBhvr>
+                                        <p:cTn id="38" dur="1" fill="hold">
+                                          <p:stCondLst>
+                                            <p:cond delay="0"/>
+                                          </p:stCondLst>
+                                        </p:cTn>
+                                        <p:tgtEl>
+                                          <p:spTgt spid="17"/>
+                                        </p:tgtEl>
+                                        <p:attrNameLst>
+                                          <p:attrName>style.visibility</p:attrName>
+                                        </p:attrNameLst>
+                                      </p:cBhvr>
+                                      <p:to>
+                                        <p:strVal val="hidden"/>
+                                      </p:to>
+                                    </p:set>
+                                  </p:childTnLst>
+                                </p:cTn>
+                              </p:par>
+                              <p:par>
+                                <p:cTn id="39" presetID="1" presetClass="entr" presetSubtype="0" fill="hold" nodeType="withEffect">
+                                  <p:stCondLst>
+                                    <p:cond delay="0"/>
+                                  </p:stCondLst>
+                                  <p:childTnLst>
+                                    <p:set>
+                                      <p:cBhvr>
+                                        <p:cTn id="40" dur="1" fill="hold">
+                                          <p:stCondLst>
+                                            <p:cond delay="0"/>
+                                          </p:stCondLst>
+                                        </p:cTn>
+                                        <p:tgtEl>
+                                          <p:spTgt spid="19"/>
+                                        </p:tgtEl>
+                                        <p:attrNameLst>
+                                          <p:attrName>style.visibility</p:attrName>
+                                        </p:attrNameLst>
+                                      </p:cBhvr>
+                                      <p:to>
+                                        <p:strVal val="visible"/>
+                                      </p:to>
+                                    </p:set>
+                                  </p:childTnLst>
+                                </p:cTn>
+                              </p:par>
+                            </p:childTnLst>
+                          </p:cTn>
+                        </p:par>
+                      </p:childTnLst>
+                    </p:cTn>
+                  </p:par>
+                </p:childTnLst>
+              </p:cTn>
+              <p:prevCondLst>
+                <p:cond evt="onPrev" delay="0">
+                  <p:tgtEl>
+                    <p:sldTgt/>
+                  </p:tgtEl>
+                </p:cond>
+              </p:prevCondLst>
+              <p:nextCondLst>
+                <p:cond evt="onNext" delay="0">
+                  <p:tgtEl>
+                    <p:sldTgt/>
+                  </p:tgtEl>
+                </p:cond>
+              </p:nextCondLst>
+            </p:seq>
+          </p:childTnLst>
+        </p:cTn>
+      </p:par>
+    </p:tnLst>
+    <p:bldLst>
+      <p:bldP spid="8" grpId="0" animBg="1"/>
+    </p:bldLst>
+  </p:timing>
 </p:sld>
 </file>
 
-<file path=ppt/slides/slide11.xml><?xml version="1.0" encoding="utf-8"?>
+<file path=ppt/slides/slide12.xml><?xml version="1.0" encoding="utf-8"?>
+<p:sld xmlns:a="http://schemas.openxmlformats.org/drawingml/2006/main" xmlns:r="http://schemas.openxmlformats.org/officeDocument/2006/relationships" xmlns:p="http://schemas.openxmlformats.org/presentationml/2006/main">
+  <p:cSld>
+    <p:spTree>
+      <p:nvGrpSpPr>
+        <p:cNvPr id="1" name=""/>
+        <p:cNvGrpSpPr/>
+        <p:nvPr/>
+      </p:nvGrpSpPr>
+      <p:grpSpPr>
+        <a:xfrm>
+          <a:off x="0" y="0"/>
+          <a:ext cx="0" cy="0"/>
+          <a:chOff x="0" y="0"/>
+          <a:chExt cx="0" cy="0"/>
+        </a:xfrm>
+      </p:grpSpPr>
+      <p:sp>
+        <p:nvSpPr>
+          <p:cNvPr id="2" name="Slide Number Placeholder 1"/>
+          <p:cNvSpPr>
+            <a:spLocks noGrp="1"/>
+          </p:cNvSpPr>
+          <p:nvPr>
+            <p:ph type="sldNum" sz="quarter" idx="5"/>
+          </p:nvPr>
+        </p:nvSpPr>
+        <p:spPr/>
+        <p:txBody>
+          <a:bodyPr/>
+          <a:lstStyle/>
+          <a:p>
+            <a:fld id="{2BF067CD-8E6B-4360-9AA8-C5DF2A48A6D1}" type="slidenum">
+              <a:rPr lang="en-US" noProof="0" smtClean="0"/>
+              <a:pPr/>
+              <a:t>12</a:t>
+            </a:fld>
+            <a:endParaRPr lang="en-US" noProof="0" dirty="0"/>
+          </a:p>
+        </p:txBody>
+      </p:sp>
+      <p:sp>
+        <p:nvSpPr>
+          <p:cNvPr id="4" name="Title 3"/>
+          <p:cNvSpPr>
+            <a:spLocks noGrp="1"/>
+          </p:cNvSpPr>
+          <p:nvPr>
+            <p:ph type="title"/>
+          </p:nvPr>
+        </p:nvSpPr>
+        <p:spPr/>
+        <p:txBody>
+          <a:bodyPr/>
+          <a:lstStyle/>
+          <a:p>
+            <a:r>
+              <a:rPr lang="bg-BG" dirty="0"/>
+              <a:t>Изчертаване на права </a:t>
+            </a:r>
+            <a:r>
+              <a:rPr lang="bg-BG" dirty="0" smtClean="0"/>
+              <a:t>линия</a:t>
+            </a:r>
+            <a:r>
+              <a:rPr lang="en-US" dirty="0" smtClean="0"/>
+              <a:t> – </a:t>
+            </a:r>
+            <a:r>
+              <a:rPr lang="bg-BG" dirty="0" smtClean="0"/>
+              <a:t>видео</a:t>
+            </a:r>
+            <a:endParaRPr lang="en-US" dirty="0"/>
+          </a:p>
+        </p:txBody>
+      </p:sp>
+      <p:pic>
+        <p:nvPicPr>
+          <p:cNvPr id="5" name="Picture 4"/>
+          <p:cNvPicPr>
+            <a:picLocks noChangeAspect="1"/>
+          </p:cNvPicPr>
+          <p:nvPr/>
+        </p:nvPicPr>
+        <p:blipFill>
+          <a:blip r:embed="rId2">
+            <a:extLst>
+              <a:ext uri="{28A0092B-C50C-407E-A947-70E740481C1C}">
+                <a14:useLocalDpi xmlns:a14="http://schemas.microsoft.com/office/drawing/2010/main" val="0"/>
+              </a:ext>
+            </a:extLst>
+          </a:blip>
+          <a:stretch>
+            <a:fillRect/>
+          </a:stretch>
+        </p:blipFill>
+        <p:spPr>
+          <a:xfrm>
+            <a:off x="2836" y="1089000"/>
+            <a:ext cx="12189164" cy="6410172"/>
+          </a:xfrm>
+          <a:prstGeom prst="rect">
+            <a:avLst/>
+          </a:prstGeom>
+        </p:spPr>
+      </p:pic>
+    </p:spTree>
+    <p:extLst>
+      <p:ext uri="{BB962C8B-B14F-4D97-AF65-F5344CB8AC3E}">
+        <p14:creationId xmlns:p14="http://schemas.microsoft.com/office/powerpoint/2010/main" val="2596995698"/>
+      </p:ext>
+    </p:extLst>
+  </p:cSld>
+  <p:clrMapOvr>
+    <a:masterClrMapping/>
+  </p:clrMapOvr>
+  <mc:AlternateContent xmlns:mc="http://schemas.openxmlformats.org/markup-compatibility/2006" xmlns:p14="http://schemas.microsoft.com/office/powerpoint/2010/main">
+    <mc:Choice Requires="p14">
+      <p:transition spd="slow" p14:dur="2000" advClick="0" advTm="5000"/>
+    </mc:Choice>
+    <mc:Fallback xmlns="">
+      <p:transition spd="slow" advClick="0" advTm="5000"/>
+    </mc:Fallback>
+  </mc:AlternateContent>
+  <p:timing>
+    <p:tnLst>
+      <p:par>
+        <p:cTn id="1" dur="indefinite" restart="never" nodeType="tmRoot"/>
+      </p:par>
+    </p:tnLst>
+  </p:timing>
+</p:sld>
+</file>
+
+<file path=ppt/slides/slide13.xml><?xml version="1.0" encoding="utf-8"?>
+<p:sld xmlns:a="http://schemas.openxmlformats.org/drawingml/2006/main" xmlns:r="http://schemas.openxmlformats.org/officeDocument/2006/relationships" xmlns:p="http://schemas.openxmlformats.org/presentationml/2006/main">
+  <p:cSld>
+    <p:spTree>
+      <p:nvGrpSpPr>
+        <p:cNvPr id="1" name=""/>
+        <p:cNvGrpSpPr/>
+        <p:nvPr/>
+      </p:nvGrpSpPr>
+      <p:grpSpPr>
+        <a:xfrm>
+          <a:off x="0" y="0"/>
+          <a:ext cx="0" cy="0"/>
+          <a:chOff x="0" y="0"/>
+          <a:chExt cx="0" cy="0"/>
+        </a:xfrm>
+      </p:grpSpPr>
+      <p:sp>
+        <p:nvSpPr>
+          <p:cNvPr id="2" name="Slide Number Placeholder 1"/>
+          <p:cNvSpPr>
+            <a:spLocks noGrp="1"/>
+          </p:cNvSpPr>
+          <p:nvPr>
+            <p:ph type="sldNum" sz="quarter" idx="5"/>
+          </p:nvPr>
+        </p:nvSpPr>
+        <p:spPr/>
+        <p:txBody>
+          <a:bodyPr/>
+          <a:lstStyle/>
+          <a:p>
+            <a:fld id="{2BF067CD-8E6B-4360-9AA8-C5DF2A48A6D1}" type="slidenum">
+              <a:rPr lang="en-US" noProof="0" smtClean="0"/>
+              <a:pPr/>
+              <a:t>13</a:t>
+            </a:fld>
+            <a:endParaRPr lang="en-US" noProof="0" dirty="0"/>
+          </a:p>
+        </p:txBody>
+      </p:sp>
+      <p:sp>
+        <p:nvSpPr>
+          <p:cNvPr id="3" name="Text Placeholder 2"/>
+          <p:cNvSpPr>
+            <a:spLocks noGrp="1"/>
+          </p:cNvSpPr>
+          <p:nvPr>
+            <p:ph type="body" sz="quarter" idx="10"/>
+          </p:nvPr>
+        </p:nvSpPr>
+        <p:spPr/>
+        <p:txBody>
+          <a:bodyPr/>
+          <a:lstStyle/>
+          <a:p>
+            <a:r>
+              <a:rPr lang="bg-BG" dirty="0" smtClean="0"/>
+              <a:t>За да изчертаем </a:t>
+            </a:r>
+            <a:r>
+              <a:rPr lang="bg-BG" b="1" dirty="0" smtClean="0"/>
+              <a:t>хоризонтални</a:t>
+            </a:r>
+            <a:r>
+              <a:rPr lang="bg-BG" dirty="0" smtClean="0"/>
+              <a:t>, </a:t>
+            </a:r>
+            <a:r>
+              <a:rPr lang="bg-BG" b="1" dirty="0" smtClean="0"/>
+              <a:t>вертикални</a:t>
+            </a:r>
+            <a:r>
+              <a:rPr lang="bg-BG" dirty="0" smtClean="0"/>
+              <a:t> или </a:t>
+            </a:r>
+            <a:r>
+              <a:rPr lang="bg-BG" b="1" dirty="0" smtClean="0"/>
+              <a:t>линии под 45°</a:t>
+            </a:r>
+            <a:r>
+              <a:rPr lang="bg-BG" dirty="0" smtClean="0"/>
+              <a:t>,</a:t>
+            </a:r>
+            <a:r>
+              <a:rPr lang="bg-BG" b="1" dirty="0" smtClean="0"/>
+              <a:t> </a:t>
+            </a:r>
+            <a:r>
+              <a:rPr lang="bg-BG" dirty="0" smtClean="0"/>
+              <a:t>трябва да бъде натиснат </a:t>
+            </a:r>
+            <a:r>
+              <a:rPr lang="bg-BG" b="1" dirty="0" smtClean="0"/>
+              <a:t>клавиша</a:t>
+            </a:r>
+            <a:r>
+              <a:rPr lang="bg-BG" dirty="0" smtClean="0"/>
+              <a:t> </a:t>
+            </a:r>
+            <a:r>
+              <a:rPr lang="en-US" dirty="0" smtClean="0"/>
+              <a:t>[</a:t>
+            </a:r>
+            <a:r>
+              <a:rPr lang="en-US" b="1" dirty="0" smtClean="0">
+                <a:solidFill>
+                  <a:schemeClr val="bg1"/>
+                </a:solidFill>
+              </a:rPr>
+              <a:t>Shift</a:t>
+            </a:r>
+            <a:r>
+              <a:rPr lang="en-US" dirty="0" smtClean="0"/>
+              <a:t>]</a:t>
+            </a:r>
+            <a:r>
+              <a:rPr lang="bg-BG" b="1" dirty="0" smtClean="0"/>
+              <a:t> </a:t>
+            </a:r>
+            <a:endParaRPr lang="en-US" b="1" dirty="0"/>
+          </a:p>
+        </p:txBody>
+      </p:sp>
+      <p:sp>
+        <p:nvSpPr>
+          <p:cNvPr id="4" name="Title 3"/>
+          <p:cNvSpPr>
+            <a:spLocks noGrp="1"/>
+          </p:cNvSpPr>
+          <p:nvPr>
+            <p:ph type="title"/>
+          </p:nvPr>
+        </p:nvSpPr>
+        <p:spPr/>
+        <p:txBody>
+          <a:bodyPr/>
+          <a:lstStyle/>
+          <a:p>
+            <a:r>
+              <a:rPr lang="bg-BG" dirty="0"/>
+              <a:t>Изчертаване на права </a:t>
+            </a:r>
+            <a:r>
+              <a:rPr lang="bg-BG" dirty="0" smtClean="0"/>
+              <a:t>линия (2)</a:t>
+            </a:r>
+            <a:endParaRPr lang="en-US" dirty="0"/>
+          </a:p>
+        </p:txBody>
+      </p:sp>
+      <p:pic>
+        <p:nvPicPr>
+          <p:cNvPr id="5" name="Picture 4"/>
+          <p:cNvPicPr>
+            <a:picLocks noChangeAspect="1"/>
+          </p:cNvPicPr>
+          <p:nvPr/>
+        </p:nvPicPr>
+        <p:blipFill>
+          <a:blip r:embed="rId2">
+            <a:extLst>
+              <a:ext uri="{28A0092B-C50C-407E-A947-70E740481C1C}">
+                <a14:useLocalDpi xmlns:a14="http://schemas.microsoft.com/office/drawing/2010/main" val="0"/>
+              </a:ext>
+            </a:extLst>
+          </a:blip>
+          <a:stretch>
+            <a:fillRect/>
+          </a:stretch>
+        </p:blipFill>
+        <p:spPr>
+          <a:xfrm>
+            <a:off x="2136000" y="2484000"/>
+            <a:ext cx="7932252" cy="4171500"/>
+          </a:xfrm>
+          <a:prstGeom prst="rect">
+            <a:avLst/>
+          </a:prstGeom>
+          <a:ln>
+            <a:solidFill>
+              <a:schemeClr val="bg2">
+                <a:lumMod val="75000"/>
+              </a:schemeClr>
+            </a:solidFill>
+          </a:ln>
+        </p:spPr>
+      </p:pic>
+    </p:spTree>
+    <p:extLst>
+      <p:ext uri="{BB962C8B-B14F-4D97-AF65-F5344CB8AC3E}">
+        <p14:creationId xmlns:p14="http://schemas.microsoft.com/office/powerpoint/2010/main" val="3011044959"/>
+      </p:ext>
+    </p:extLst>
+  </p:cSld>
+  <p:clrMapOvr>
+    <a:masterClrMapping/>
+  </p:clrMapOvr>
+  <mc:AlternateContent xmlns:mc="http://schemas.openxmlformats.org/markup-compatibility/2006" xmlns:p14="http://schemas.microsoft.com/office/powerpoint/2010/main">
+    <mc:Choice Requires="p14">
+      <p:transition spd="slow" p14:dur="2000" advClick="0" advTm="5000"/>
+    </mc:Choice>
+    <mc:Fallback xmlns="">
+      <p:transition spd="slow" advClick="0" advTm="5000"/>
+    </mc:Fallback>
+  </mc:AlternateContent>
+  <p:timing>
+    <p:tnLst>
+      <p:par>
+        <p:cTn id="1" dur="indefinite" restart="never" nodeType="tmRoot">
+          <p:childTnLst>
+            <p:seq concurrent="1" nextAc="seek">
+              <p:cTn id="2" dur="indefinite" nodeType="mainSeq">
+                <p:childTnLst>
+                  <p:par>
+                    <p:cTn id="3" fill="hold">
+                      <p:stCondLst>
+                        <p:cond delay="indefinite"/>
+                      </p:stCondLst>
+                      <p:childTnLst>
+                        <p:par>
+                          <p:cTn id="4" fill="hold">
+                            <p:stCondLst>
+                              <p:cond delay="0"/>
+                            </p:stCondLst>
+                            <p:childTnLst>
+                              <p:par>
+                                <p:cTn id="5" presetID="1" presetClass="entr" presetSubtype="0" fill="hold" nodeType="clickEffect">
+                                  <p:stCondLst>
+                                    <p:cond delay="0"/>
+                                  </p:stCondLst>
+                                  <p:childTnLst>
+                                    <p:set>
+                                      <p:cBhvr>
+                                        <p:cTn id="6" dur="1" fill="hold">
+                                          <p:stCondLst>
+                                            <p:cond delay="0"/>
+                                          </p:stCondLst>
+                                        </p:cTn>
+                                        <p:tgtEl>
+                                          <p:spTgt spid="5"/>
+                                        </p:tgtEl>
+                                        <p:attrNameLst>
+                                          <p:attrName>style.visibility</p:attrName>
+                                        </p:attrNameLst>
+                                      </p:cBhvr>
+                                      <p:to>
+                                        <p:strVal val="visible"/>
+                                      </p:to>
+                                    </p:set>
+                                  </p:childTnLst>
+                                </p:cTn>
+                              </p:par>
+                            </p:childTnLst>
+                          </p:cTn>
+                        </p:par>
+                      </p:childTnLst>
+                    </p:cTn>
+                  </p:par>
+                </p:childTnLst>
+              </p:cTn>
+              <p:prevCondLst>
+                <p:cond evt="onPrev" delay="0">
+                  <p:tgtEl>
+                    <p:sldTgt/>
+                  </p:tgtEl>
+                </p:cond>
+              </p:prevCondLst>
+              <p:nextCondLst>
+                <p:cond evt="onNext" delay="0">
+                  <p:tgtEl>
+                    <p:sldTgt/>
+                  </p:tgtEl>
+                </p:cond>
+              </p:nextCondLst>
+            </p:seq>
+          </p:childTnLst>
+        </p:cTn>
+      </p:par>
+    </p:tnLst>
+  </p:timing>
+</p:sld>
+</file>
+
+<file path=ppt/slides/slide14.xml><?xml version="1.0" encoding="utf-8"?>
+<p:sld xmlns:a="http://schemas.openxmlformats.org/drawingml/2006/main" xmlns:r="http://schemas.openxmlformats.org/officeDocument/2006/relationships" xmlns:p="http://schemas.openxmlformats.org/presentationml/2006/main">
+  <p:cSld>
+    <p:spTree>
+      <p:nvGrpSpPr>
+        <p:cNvPr id="1" name=""/>
+        <p:cNvGrpSpPr/>
+        <p:nvPr/>
+      </p:nvGrpSpPr>
+      <p:grpSpPr>
+        <a:xfrm>
+          <a:off x="0" y="0"/>
+          <a:ext cx="0" cy="0"/>
+          <a:chOff x="0" y="0"/>
+          <a:chExt cx="0" cy="0"/>
+        </a:xfrm>
+      </p:grpSpPr>
+      <p:sp>
+        <p:nvSpPr>
+          <p:cNvPr id="5" name="Title 4"/>
+          <p:cNvSpPr>
+            <a:spLocks noGrp="1"/>
+          </p:cNvSpPr>
+          <p:nvPr>
+            <p:ph type="title" sz="quarter" idx="10"/>
+          </p:nvPr>
+        </p:nvSpPr>
+        <p:spPr>
+          <a:xfrm>
+            <a:off x="5241000" y="2078997"/>
+            <a:ext cx="6065892" cy="1754333"/>
+          </a:xfrm>
+        </p:spPr>
+        <p:txBody>
+          <a:bodyPr/>
+          <a:lstStyle/>
+          <a:p>
+            <a:r>
+              <a:rPr lang="bg-BG" dirty="0" smtClean="0"/>
+              <a:t>Крива линия</a:t>
+            </a:r>
+            <a:endParaRPr lang="en-US" dirty="0"/>
+          </a:p>
+        </p:txBody>
+      </p:sp>
+      <p:sp>
+        <p:nvSpPr>
+          <p:cNvPr id="2" name="Slide Number Placeholder 1"/>
+          <p:cNvSpPr>
+            <a:spLocks noGrp="1"/>
+          </p:cNvSpPr>
+          <p:nvPr>
+            <p:ph type="sldNum" sz="quarter" idx="4294967295"/>
+          </p:nvPr>
+        </p:nvSpPr>
+        <p:spPr>
+          <a:xfrm>
+            <a:off x="11631000" y="6507163"/>
+            <a:ext cx="561000" cy="296862"/>
+          </a:xfrm>
+          <a:prstGeom prst="rect">
+            <a:avLst/>
+          </a:prstGeom>
+        </p:spPr>
+        <p:txBody>
+          <a:bodyPr/>
+          <a:lstStyle/>
+          <a:p>
+            <a:fld id="{2BF067CD-8E6B-4360-9AA8-C5DF2A48A6D1}" type="slidenum">
+              <a:rPr lang="en-US" noProof="0" smtClean="0"/>
+              <a:pPr/>
+              <a:t>14</a:t>
+            </a:fld>
+            <a:endParaRPr lang="en-US" noProof="0" dirty="0"/>
+          </a:p>
+        </p:txBody>
+      </p:sp>
+      <p:sp>
+        <p:nvSpPr>
+          <p:cNvPr id="11" name="Freeform 10"/>
+          <p:cNvSpPr/>
+          <p:nvPr/>
+        </p:nvSpPr>
+        <p:spPr bwMode="auto">
+          <a:xfrm>
+            <a:off x="1481138" y="1841967"/>
+            <a:ext cx="1838325" cy="1991363"/>
+          </a:xfrm>
+          <a:custGeom>
+            <a:avLst/>
+            <a:gdLst>
+              <a:gd name="connsiteX0" fmla="*/ 0 w 1838325"/>
+              <a:gd name="connsiteY0" fmla="*/ 458321 h 1991363"/>
+              <a:gd name="connsiteX1" fmla="*/ 1481137 w 1838325"/>
+              <a:gd name="connsiteY1" fmla="*/ 86846 h 1991363"/>
+              <a:gd name="connsiteX2" fmla="*/ 1404937 w 1838325"/>
+              <a:gd name="connsiteY2" fmla="*/ 1906121 h 1991363"/>
+              <a:gd name="connsiteX3" fmla="*/ 1838325 w 1838325"/>
+              <a:gd name="connsiteY3" fmla="*/ 1525121 h 1991363"/>
+            </a:gdLst>
+            <a:ahLst/>
+            <a:cxnLst>
+              <a:cxn ang="0">
+                <a:pos x="connsiteX0" y="connsiteY0"/>
+              </a:cxn>
+              <a:cxn ang="0">
+                <a:pos x="connsiteX1" y="connsiteY1"/>
+              </a:cxn>
+              <a:cxn ang="0">
+                <a:pos x="connsiteX2" y="connsiteY2"/>
+              </a:cxn>
+              <a:cxn ang="0">
+                <a:pos x="connsiteX3" y="connsiteY3"/>
+              </a:cxn>
+            </a:cxnLst>
+            <a:rect l="l" t="t" r="r" b="b"/>
+            <a:pathLst>
+              <a:path w="1838325" h="1991363">
+                <a:moveTo>
+                  <a:pt x="0" y="458321"/>
+                </a:moveTo>
+                <a:cubicBezTo>
+                  <a:pt x="623490" y="151933"/>
+                  <a:pt x="1246981" y="-154454"/>
+                  <a:pt x="1481137" y="86846"/>
+                </a:cubicBezTo>
+                <a:cubicBezTo>
+                  <a:pt x="1715293" y="328146"/>
+                  <a:pt x="1345406" y="1666409"/>
+                  <a:pt x="1404937" y="1906121"/>
+                </a:cubicBezTo>
+                <a:cubicBezTo>
+                  <a:pt x="1464468" y="2145833"/>
+                  <a:pt x="1651396" y="1835477"/>
+                  <a:pt x="1838325" y="1525121"/>
+                </a:cubicBezTo>
+              </a:path>
+            </a:pathLst>
+          </a:custGeom>
+          <a:ln w="76200"/>
+        </p:spPr>
+        <p:style>
+          <a:lnRef idx="1">
+            <a:schemeClr val="accent1"/>
+          </a:lnRef>
+          <a:fillRef idx="0">
+            <a:schemeClr val="accent1"/>
+          </a:fillRef>
+          <a:effectRef idx="0">
+            <a:schemeClr val="accent1"/>
+          </a:effectRef>
+          <a:fontRef idx="minor">
+            <a:schemeClr val="tx1"/>
+          </a:fontRef>
+        </p:style>
+        <p:txBody>
+          <a:bodyPr rtlCol="0" anchor="ctr"/>
+          <a:lstStyle/>
+          <a:p>
+            <a:pPr algn="ctr"/>
+            <a:endParaRPr lang="en-US"/>
+          </a:p>
+        </p:txBody>
+      </p:sp>
+    </p:spTree>
+    <p:extLst>
+      <p:ext uri="{BB962C8B-B14F-4D97-AF65-F5344CB8AC3E}">
+        <p14:creationId xmlns:p14="http://schemas.microsoft.com/office/powerpoint/2010/main" val="2229230166"/>
+      </p:ext>
+    </p:extLst>
+  </p:cSld>
+  <p:clrMapOvr>
+    <a:masterClrMapping/>
+  </p:clrMapOvr>
+  <mc:AlternateContent xmlns:mc="http://schemas.openxmlformats.org/markup-compatibility/2006" xmlns:p14="http://schemas.microsoft.com/office/powerpoint/2010/main">
+    <mc:Choice Requires="p14">
+      <p:transition spd="slow" p14:dur="2000" advClick="0" advTm="5000"/>
+    </mc:Choice>
+    <mc:Fallback xmlns="">
+      <p:transition spd="slow" advClick="0" advTm="5000"/>
+    </mc:Fallback>
+  </mc:AlternateContent>
+  <p:timing>
+    <p:tnLst>
+      <p:par>
+        <p:cTn id="1" dur="indefinite" restart="never" nodeType="tmRoot"/>
+      </p:par>
+    </p:tnLst>
+  </p:timing>
+</p:sld>
+</file>
+
+<file path=ppt/slides/slide15.xml><?xml version="1.0" encoding="utf-8"?>
+<p:sld xmlns:a="http://schemas.openxmlformats.org/drawingml/2006/main" xmlns:r="http://schemas.openxmlformats.org/officeDocument/2006/relationships" xmlns:p="http://schemas.openxmlformats.org/presentationml/2006/main">
+  <p:cSld>
+    <p:spTree>
+      <p:nvGrpSpPr>
+        <p:cNvPr id="1" name=""/>
+        <p:cNvGrpSpPr/>
+        <p:nvPr/>
+      </p:nvGrpSpPr>
+      <p:grpSpPr>
+        <a:xfrm>
+          <a:off x="0" y="0"/>
+          <a:ext cx="0" cy="0"/>
+          <a:chOff x="0" y="0"/>
+          <a:chExt cx="0" cy="0"/>
+        </a:xfrm>
+      </p:grpSpPr>
+      <p:sp>
+        <p:nvSpPr>
+          <p:cNvPr id="5" name="Text Placeholder 4"/>
+          <p:cNvSpPr>
+            <a:spLocks noGrp="1"/>
+          </p:cNvSpPr>
+          <p:nvPr>
+            <p:ph type="body" sz="quarter" idx="10"/>
+          </p:nvPr>
+        </p:nvSpPr>
+        <p:spPr>
+          <a:xfrm>
+            <a:off x="111000" y="1196125"/>
+            <a:ext cx="12081000" cy="5528766"/>
+          </a:xfrm>
+        </p:spPr>
+        <p:txBody>
+          <a:bodyPr>
+            <a:normAutofit lnSpcReduction="10000"/>
+          </a:bodyPr>
+          <a:lstStyle/>
+          <a:p>
+            <a:r>
+              <a:rPr lang="bg-BG" dirty="0" smtClean="0"/>
+              <a:t>Инструментът за </a:t>
+            </a:r>
+            <a:r>
+              <a:rPr lang="bg-BG" b="1" dirty="0" smtClean="0"/>
+              <a:t>изчертаване на крива линия </a:t>
+            </a:r>
+            <a:r>
+              <a:rPr lang="bg-BG" dirty="0" smtClean="0"/>
+              <a:t>се намира в </a:t>
+            </a:r>
+            <a:r>
+              <a:rPr lang="bg-BG" b="1" dirty="0" smtClean="0"/>
+              <a:t>панела</a:t>
+            </a:r>
+            <a:r>
+              <a:rPr lang="bg-BG" dirty="0" smtClean="0"/>
+              <a:t> </a:t>
+            </a:r>
+            <a:r>
+              <a:rPr lang="en-US" b="1" dirty="0" smtClean="0">
+                <a:solidFill>
+                  <a:schemeClr val="bg1"/>
+                </a:solidFill>
+              </a:rPr>
+              <a:t>Shapes</a:t>
+            </a:r>
+            <a:endParaRPr lang="bg-BG" b="1" dirty="0" smtClean="0">
+              <a:solidFill>
+                <a:schemeClr val="bg1"/>
+              </a:solidFill>
+            </a:endParaRPr>
+          </a:p>
+          <a:p>
+            <a:r>
+              <a:rPr lang="bg-BG" dirty="0" smtClean="0"/>
+              <a:t>Крива линия се чертае така, както правата</a:t>
+            </a:r>
+          </a:p>
+          <a:p>
+            <a:r>
+              <a:rPr lang="bg-BG" dirty="0" smtClean="0"/>
+              <a:t>Начини за изкривяване на линията:</a:t>
+            </a:r>
+          </a:p>
+          <a:p>
+            <a:pPr lvl="1"/>
+            <a:r>
+              <a:rPr lang="bg-BG" dirty="0" smtClean="0"/>
+              <a:t>Двукратно натискаме извън линията и тя ще се изкриви към мястото, където сте щракнали</a:t>
+            </a:r>
+          </a:p>
+          <a:p>
+            <a:pPr lvl="1"/>
+            <a:r>
+              <a:rPr lang="bg-BG" dirty="0" smtClean="0"/>
+              <a:t>Щракваме еднократно от двете страни на линията и тя ще се изкриви в двете посоки</a:t>
+            </a:r>
+          </a:p>
+          <a:p>
+            <a:pPr lvl="1"/>
+            <a:r>
+              <a:rPr lang="bg-BG" dirty="0" smtClean="0"/>
+              <a:t>Щракване </a:t>
+            </a:r>
+            <a:endParaRPr lang="en-US" dirty="0"/>
+          </a:p>
+        </p:txBody>
+      </p:sp>
+      <p:sp>
+        <p:nvSpPr>
+          <p:cNvPr id="4" name="Title 3"/>
+          <p:cNvSpPr>
+            <a:spLocks noGrp="1"/>
+          </p:cNvSpPr>
+          <p:nvPr>
+            <p:ph type="title"/>
+          </p:nvPr>
+        </p:nvSpPr>
+        <p:spPr/>
+        <p:txBody>
+          <a:bodyPr/>
+          <a:lstStyle/>
+          <a:p>
+            <a:r>
+              <a:rPr lang="bg-BG" dirty="0" smtClean="0"/>
+              <a:t>Изчертаване на крива линия</a:t>
+            </a:r>
+            <a:endParaRPr lang="en-US" dirty="0"/>
+          </a:p>
+        </p:txBody>
+      </p:sp>
+      <p:sp>
+        <p:nvSpPr>
+          <p:cNvPr id="6" name="Rectangle 5"/>
+          <p:cNvSpPr/>
+          <p:nvPr/>
+        </p:nvSpPr>
+        <p:spPr bwMode="auto">
+          <a:xfrm>
+            <a:off x="1731000" y="1809000"/>
+            <a:ext cx="5895000" cy="3330000"/>
+          </a:xfrm>
+          <a:prstGeom prst="rect">
+            <a:avLst/>
+          </a:prstGeom>
+          <a:ln/>
+        </p:spPr>
+        <p:style>
+          <a:lnRef idx="2">
+            <a:schemeClr val="accent1"/>
+          </a:lnRef>
+          <a:fillRef idx="1">
+            <a:schemeClr val="lt1"/>
+          </a:fillRef>
+          <a:effectRef idx="0">
+            <a:schemeClr val="accent1"/>
+          </a:effectRef>
+          <a:fontRef idx="minor">
+            <a:schemeClr val="dk1"/>
+          </a:fontRef>
+        </p:style>
+        <p:txBody>
+          <a:bodyPr rot="0" spcFirstLastPara="0" vertOverflow="overflow" horzOverflow="overflow" vert="horz" wrap="square" lIns="91440" tIns="45720" rIns="91440" bIns="45720" numCol="1" spcCol="0" rtlCol="0" fromWordArt="0" anchor="ctr" anchorCtr="0" forceAA="0" compatLnSpc="1">
+            <a:prstTxWarp prst="textNoShape">
+              <a:avLst/>
+            </a:prstTxWarp>
+            <a:noAutofit/>
+          </a:bodyPr>
+          <a:lstStyle/>
+          <a:p>
+            <a:pPr algn="ctr"/>
+            <a:r>
+              <a:rPr lang="bg-BG" sz="4000" dirty="0"/>
+              <a:t>Раздели всеки начин за изкривяване на нов </a:t>
+            </a:r>
+            <a:r>
+              <a:rPr lang="bg-BG" sz="4000" dirty="0" smtClean="0"/>
+              <a:t>слайд (</a:t>
+            </a:r>
+            <a:r>
+              <a:rPr lang="bg-BG" sz="4000" dirty="0"/>
+              <a:t>заедно с клипче)</a:t>
+            </a:r>
+            <a:endParaRPr lang="en-US" sz="4000" dirty="0"/>
+          </a:p>
+        </p:txBody>
+      </p:sp>
+    </p:spTree>
+    <p:extLst>
+      <p:ext uri="{BB962C8B-B14F-4D97-AF65-F5344CB8AC3E}">
+        <p14:creationId xmlns:p14="http://schemas.microsoft.com/office/powerpoint/2010/main" val="582920669"/>
+      </p:ext>
+    </p:extLst>
+  </p:cSld>
+  <p:clrMapOvr>
+    <a:masterClrMapping/>
+  </p:clrMapOvr>
+  <mc:AlternateContent xmlns:mc="http://schemas.openxmlformats.org/markup-compatibility/2006" xmlns:p14="http://schemas.microsoft.com/office/powerpoint/2010/main">
+    <mc:Choice Requires="p14">
+      <p:transition spd="slow" p14:dur="2000" advClick="0" advTm="5000"/>
+    </mc:Choice>
+    <mc:Fallback xmlns="">
+      <p:transition spd="slow" advClick="0" advTm="5000"/>
+    </mc:Fallback>
+  </mc:AlternateContent>
+  <p:timing>
+    <p:tnLst>
+      <p:par>
+        <p:cTn id="1" dur="indefinite" restart="never" nodeType="tmRoot"/>
+      </p:par>
+    </p:tnLst>
+  </p:timing>
+</p:sld>
+</file>
+
+<file path=ppt/slides/slide16.xml><?xml version="1.0" encoding="utf-8"?>
 <p:sld xmlns:a="http://schemas.openxmlformats.org/drawingml/2006/main" xmlns:r="http://schemas.openxmlformats.org/officeDocument/2006/relationships" xmlns:p="http://schemas.openxmlformats.org/presentationml/2006/main">
   <p:cSld>
     <p:spTree>
@@ -8082,7 +9851,7 @@
             <a:fld id="{C014DD1E-5D91-48A3-AD6D-45FBA980D106}" type="slidenum">
               <a:rPr lang="en-US" smtClean="0"/>
               <a:pPr/>
-              <a:t>11</a:t>
+              <a:t>16</a:t>
             </a:fld>
             <a:endParaRPr lang="en-US" dirty="0"/>
           </a:p>
@@ -8630,7 +10399,7 @@
 </p:sld>
 </file>
 
-<file path=ppt/slides/slide12.xml><?xml version="1.0" encoding="utf-8"?>
+<file path=ppt/slides/slide17.xml><?xml version="1.0" encoding="utf-8"?>
 <p:sld xmlns:a="http://schemas.openxmlformats.org/drawingml/2006/main" xmlns:r="http://schemas.openxmlformats.org/officeDocument/2006/relationships" xmlns:p="http://schemas.openxmlformats.org/presentationml/2006/main">
   <p:cSld>
     <p:spTree>
@@ -8744,7 +10513,7 @@
                 <a:hlinkClick r:id="rId3">
                   <a:extLst>
                     <a:ext uri="{A12FA001-AC4F-418D-AE19-62706E023703}">
-                      <ahyp:hlinkClr xmlns:ahyp="http://schemas.microsoft.com/office/drawing/2018/hyperlinkcolor" xmlns="" val="tx"/>
+                      <ahyp:hlinkClr xmlns="" xmlns:ahyp="http://schemas.microsoft.com/office/drawing/2018/hyperlinkcolor" val="tx"/>
                     </a:ext>
                   </a:extLst>
                 </a:hlinkClick>
@@ -8827,7 +10596,7 @@
 </p:sld>
 </file>
 
-<file path=ppt/slides/slide13.xml><?xml version="1.0" encoding="utf-8"?>
+<file path=ppt/slides/slide18.xml><?xml version="1.0" encoding="utf-8"?>
 <p:sld xmlns:a="http://schemas.openxmlformats.org/drawingml/2006/main" xmlns:r="http://schemas.openxmlformats.org/officeDocument/2006/relationships" xmlns:p="http://schemas.openxmlformats.org/presentationml/2006/main">
   <p:cSld>
     <p:spTree>
@@ -8880,7 +10649,7 @@
             <a:fld id="{2BF067CD-8E6B-4360-9AA8-C5DF2A48A6D1}" type="slidenum">
               <a:rPr lang="en-US" smtClean="0"/>
               <a:pPr/>
-              <a:t>13</a:t>
+              <a:t>18</a:t>
             </a:fld>
             <a:endParaRPr lang="en-US" dirty="0"/>
           </a:p>
@@ -9386,7 +11155,19 @@
           <a:p>
             <a:r>
               <a:rPr lang="bg-BG" dirty="0" smtClean="0"/>
-              <a:t>Рисуване на изображение</a:t>
+              <a:t>͏</a:t>
+            </a:r>
+            <a:r>
+              <a:rPr lang="bg-BG" b="1" dirty="0" smtClean="0"/>
+              <a:t>Рисуване</a:t>
+            </a:r>
+            <a:r>
+              <a:rPr lang="bg-BG" dirty="0" smtClean="0"/>
+              <a:t> </a:t>
+            </a:r>
+            <a:r>
+              <a:rPr lang="bg-BG" dirty="0" smtClean="0"/>
+              <a:t>на изображение</a:t>
             </a:r>
           </a:p>
           <a:p>
@@ -9398,28 +11179,40 @@
           <a:p>
             <a:pPr lvl="1"/>
             <a:r>
+              <a:rPr lang="bg-BG" b="1" dirty="0" smtClean="0"/>
+              <a:t>Права линия</a:t>
+            </a:r>
+          </a:p>
+          <a:p>
+            <a:pPr lvl="1"/>
+            <a:r>
+              <a:rPr lang="bg-BG" b="1" dirty="0" smtClean="0"/>
+              <a:t>Крива линия</a:t>
+            </a:r>
+          </a:p>
+          <a:p>
+            <a:pPr lvl="1"/>
+            <a:r>
+              <a:rPr lang="bg-BG" b="1" dirty="0" smtClean="0"/>
+              <a:t>Фигури</a:t>
+            </a:r>
+          </a:p>
+          <a:p>
+            <a:r>
               <a:rPr lang="bg-BG" dirty="0" smtClean="0"/>
-              <a:t>Права линия</a:t>
-            </a:r>
-          </a:p>
-          <a:p>
-            <a:pPr lvl="1"/>
+              <a:t>͏</a:t>
+            </a:r>
+            <a:r>
+              <a:rPr lang="bg-BG" b="1" dirty="0" smtClean="0"/>
+              <a:t>Избор</a:t>
+            </a:r>
             <a:r>
               <a:rPr lang="bg-BG" dirty="0" smtClean="0"/>
-              <a:t>Крива линия</a:t>
-            </a:r>
-          </a:p>
-          <a:p>
-            <a:pPr lvl="1"/>
+              <a:t> </a:t>
+            </a:r>
             <a:r>
               <a:rPr lang="bg-BG" dirty="0" smtClean="0"/>
-              <a:t>Фигури</a:t>
-            </a:r>
-          </a:p>
-          <a:p>
-            <a:r>
-              <a:rPr lang="bg-BG" dirty="0" smtClean="0"/>
-              <a:t>Избор на изображение</a:t>
+              <a:t>на изображение</a:t>
             </a:r>
           </a:p>
         </p:txBody>
@@ -11390,6 +13183,13 @@
       <p:transition spd="slow" advClick="0" advTm="5000"/>
     </mc:Fallback>
   </mc:AlternateContent>
+  <p:timing>
+    <p:tnLst>
+      <p:par>
+        <p:cTn id="1" dur="indefinite" restart="never" nodeType="tmRoot"/>
+      </p:par>
+    </p:tnLst>
+  </p:timing>
 </p:sld>
 </file>
 
